--- a/trunk/docs/PPT SDSD.pptx
+++ b/trunk/docs/PPT SDSD.pptx
@@ -11,6 +11,8 @@
     <p:sldId id="259" r:id="rId5"/>
     <p:sldId id="260" r:id="rId6"/>
     <p:sldId id="261" r:id="rId7"/>
+    <p:sldId id="262" r:id="rId8"/>
+    <p:sldId id="263" r:id="rId9"/>
   </p:sldIdLst>
   <p:sldSz cx="9144000" cy="6858000" type="screen4x3"/>
   <p:notesSz cx="6858000" cy="9144000"/>
@@ -293,7 +295,7 @@
           <a:p>
             <a:fld id="{492B5A23-5751-4823-9431-EDECB865B2A2}" type="datetimeFigureOut">
               <a:rPr lang="es-ES" smtClean="0"/>
-              <a:t>22/06/2011</a:t>
+              <a:t>29/06/2011</a:t>
             </a:fld>
             <a:endParaRPr lang="es-ES" dirty="0"/>
           </a:p>
@@ -463,7 +465,7 @@
           <a:p>
             <a:fld id="{492B5A23-5751-4823-9431-EDECB865B2A2}" type="datetimeFigureOut">
               <a:rPr lang="es-ES" smtClean="0"/>
-              <a:t>22/06/2011</a:t>
+              <a:t>29/06/2011</a:t>
             </a:fld>
             <a:endParaRPr lang="es-ES" dirty="0"/>
           </a:p>
@@ -643,7 +645,7 @@
           <a:p>
             <a:fld id="{492B5A23-5751-4823-9431-EDECB865B2A2}" type="datetimeFigureOut">
               <a:rPr lang="es-ES" smtClean="0"/>
-              <a:t>22/06/2011</a:t>
+              <a:t>29/06/2011</a:t>
             </a:fld>
             <a:endParaRPr lang="es-ES" dirty="0"/>
           </a:p>
@@ -813,7 +815,7 @@
           <a:p>
             <a:fld id="{492B5A23-5751-4823-9431-EDECB865B2A2}" type="datetimeFigureOut">
               <a:rPr lang="es-ES" smtClean="0"/>
-              <a:t>22/06/2011</a:t>
+              <a:t>29/06/2011</a:t>
             </a:fld>
             <a:endParaRPr lang="es-ES" dirty="0"/>
           </a:p>
@@ -1059,7 +1061,7 @@
           <a:p>
             <a:fld id="{492B5A23-5751-4823-9431-EDECB865B2A2}" type="datetimeFigureOut">
               <a:rPr lang="es-ES" smtClean="0"/>
-              <a:t>22/06/2011</a:t>
+              <a:t>29/06/2011</a:t>
             </a:fld>
             <a:endParaRPr lang="es-ES" dirty="0"/>
           </a:p>
@@ -1347,7 +1349,7 @@
           <a:p>
             <a:fld id="{492B5A23-5751-4823-9431-EDECB865B2A2}" type="datetimeFigureOut">
               <a:rPr lang="es-ES" smtClean="0"/>
-              <a:t>22/06/2011</a:t>
+              <a:t>29/06/2011</a:t>
             </a:fld>
             <a:endParaRPr lang="es-ES" dirty="0"/>
           </a:p>
@@ -1769,7 +1771,7 @@
           <a:p>
             <a:fld id="{492B5A23-5751-4823-9431-EDECB865B2A2}" type="datetimeFigureOut">
               <a:rPr lang="es-ES" smtClean="0"/>
-              <a:t>22/06/2011</a:t>
+              <a:t>29/06/2011</a:t>
             </a:fld>
             <a:endParaRPr lang="es-ES" dirty="0"/>
           </a:p>
@@ -1887,7 +1889,7 @@
           <a:p>
             <a:fld id="{492B5A23-5751-4823-9431-EDECB865B2A2}" type="datetimeFigureOut">
               <a:rPr lang="es-ES" smtClean="0"/>
-              <a:t>22/06/2011</a:t>
+              <a:t>29/06/2011</a:t>
             </a:fld>
             <a:endParaRPr lang="es-ES" dirty="0"/>
           </a:p>
@@ -1982,7 +1984,7 @@
           <a:p>
             <a:fld id="{492B5A23-5751-4823-9431-EDECB865B2A2}" type="datetimeFigureOut">
               <a:rPr lang="es-ES" smtClean="0"/>
-              <a:t>22/06/2011</a:t>
+              <a:t>29/06/2011</a:t>
             </a:fld>
             <a:endParaRPr lang="es-ES" dirty="0"/>
           </a:p>
@@ -2259,7 +2261,7 @@
           <a:p>
             <a:fld id="{492B5A23-5751-4823-9431-EDECB865B2A2}" type="datetimeFigureOut">
               <a:rPr lang="es-ES" smtClean="0"/>
-              <a:t>22/06/2011</a:t>
+              <a:t>29/06/2011</a:t>
             </a:fld>
             <a:endParaRPr lang="es-ES" dirty="0"/>
           </a:p>
@@ -2512,7 +2514,7 @@
           <a:p>
             <a:fld id="{492B5A23-5751-4823-9431-EDECB865B2A2}" type="datetimeFigureOut">
               <a:rPr lang="es-ES" smtClean="0"/>
-              <a:t>22/06/2011</a:t>
+              <a:t>29/06/2011</a:t>
             </a:fld>
             <a:endParaRPr lang="es-ES" dirty="0"/>
           </a:p>
@@ -2725,7 +2727,7 @@
           <a:p>
             <a:fld id="{492B5A23-5751-4823-9431-EDECB865B2A2}" type="datetimeFigureOut">
               <a:rPr lang="es-ES" smtClean="0"/>
-              <a:t>22/06/2011</a:t>
+              <a:t>29/06/2011</a:t>
             </a:fld>
             <a:endParaRPr lang="es-ES" dirty="0"/>
           </a:p>
@@ -3148,6 +3150,13 @@
   <p:clrMapOvr>
     <a:masterClrMapping/>
   </p:clrMapOvr>
+  <p:timing>
+    <p:tnLst>
+      <p:par>
+        <p:cTn id="1" dur="indefinite" restart="never" nodeType="tmRoot"/>
+      </p:par>
+    </p:tnLst>
+  </p:timing>
 </p:sld>
 </file>
 
@@ -3185,7 +3194,7 @@
           <a:p>
             <a:r>
               <a:rPr lang="es-AR" dirty="0" smtClean="0"/>
-              <a:t>Capas</a:t>
+              <a:t>Resolución del Problema</a:t>
             </a:r>
             <a:endParaRPr lang="es-ES" dirty="0"/>
           </a:p>
@@ -3203,27 +3212,63 @@
         </p:nvSpPr>
         <p:spPr/>
         <p:txBody>
-          <a:bodyPr/>
-          <a:lstStyle/>
-          <a:p>
+          <a:bodyPr>
+            <a:normAutofit fontScale="92500" lnSpcReduction="20000"/>
+          </a:bodyPr>
+          <a:lstStyle/>
+          <a:p>
+            <a:r>
+              <a:rPr lang="es-AR" dirty="0" smtClean="0"/>
+              <a:t>Se utiliza un árbol de clasificación.</a:t>
+            </a:r>
+          </a:p>
+          <a:p>
+            <a:r>
+              <a:rPr lang="es-AR" dirty="0" smtClean="0"/>
+              <a:t>Se implementa el algoritmo ID3.</a:t>
+            </a:r>
+          </a:p>
+          <a:p>
+            <a:r>
+              <a:rPr lang="es-AR" dirty="0" smtClean="0"/>
+              <a:t>Se utiliza Java como lenguaje de programación.</a:t>
+            </a:r>
+          </a:p>
+          <a:p>
+            <a:r>
+              <a:rPr lang="es-AR" dirty="0" smtClean="0"/>
+              <a:t>El Árbol se crea a medida que sea profundizar en sus nodos.</a:t>
+            </a:r>
+          </a:p>
+          <a:p>
+            <a:r>
+              <a:rPr lang="es-AR" dirty="0" smtClean="0"/>
+              <a:t>Se separo al proyecto en 4 Capas</a:t>
+            </a:r>
+          </a:p>
+          <a:p>
+            <a:pPr lvl="1"/>
             <a:r>
               <a:rPr lang="es-AR" dirty="0" smtClean="0"/>
               <a:t>Obtención de Muestra</a:t>
             </a:r>
           </a:p>
           <a:p>
+            <a:pPr lvl="1"/>
             <a:r>
               <a:rPr lang="es-AR" dirty="0" smtClean="0"/>
               <a:t>Cálculos de Entropía y Ganancia de Información</a:t>
             </a:r>
           </a:p>
           <a:p>
+            <a:pPr lvl="1"/>
             <a:r>
               <a:rPr lang="es-AR" dirty="0" smtClean="0"/>
               <a:t>Creación del Árbol</a:t>
             </a:r>
           </a:p>
           <a:p>
+            <a:pPr lvl="1"/>
             <a:r>
               <a:rPr lang="es-AR" dirty="0" smtClean="0"/>
               <a:t>Obtención de la Categoría</a:t>
@@ -3242,6 +3287,13 @@
   <p:clrMapOvr>
     <a:masterClrMapping/>
   </p:clrMapOvr>
+  <p:timing>
+    <p:tnLst>
+      <p:par>
+        <p:cTn id="1" dur="indefinite" restart="never" nodeType="tmRoot"/>
+      </p:par>
+    </p:tnLst>
+  </p:timing>
 </p:sld>
 </file>
 
@@ -3272,35 +3324,498 @@
             <p:ph type="title"/>
           </p:nvPr>
         </p:nvSpPr>
+        <p:spPr>
+          <a:xfrm>
+            <a:off x="408112" y="188640"/>
+            <a:ext cx="8229600" cy="1008112"/>
+          </a:xfrm>
+        </p:spPr>
+        <p:txBody>
+          <a:bodyPr>
+            <a:normAutofit/>
+          </a:bodyPr>
+          <a:lstStyle/>
+          <a:p>
+            <a:r>
+              <a:rPr lang="es-AR" dirty="0"/>
+              <a:t>Resolución</a:t>
+            </a:r>
+            <a:r>
+              <a:rPr lang="es-AR" sz="4900" dirty="0"/>
+              <a:t> del </a:t>
+            </a:r>
+            <a:r>
+              <a:rPr lang="es-AR" sz="4900" dirty="0" smtClean="0"/>
+              <a:t>Problema</a:t>
+            </a:r>
+            <a:endParaRPr lang="es-ES" sz="4000" dirty="0"/>
+          </a:p>
+        </p:txBody>
+      </p:sp>
+      <p:sp>
+        <p:nvSpPr>
+          <p:cNvPr id="3" name="2 Marcador de contenido"/>
+          <p:cNvSpPr>
+            <a:spLocks noGrp="1"/>
+          </p:cNvSpPr>
+          <p:nvPr>
+            <p:ph idx="1"/>
+          </p:nvPr>
+        </p:nvSpPr>
         <p:spPr/>
         <p:txBody>
           <a:bodyPr/>
           <a:lstStyle/>
           <a:p>
             <a:r>
-              <a:rPr lang="es-AR" dirty="0" smtClean="0"/>
-              <a:t>Capas: Obtención de Muestra</a:t>
-            </a:r>
-            <a:endParaRPr lang="es-ES" dirty="0"/>
-          </a:p>
-        </p:txBody>
-      </p:sp>
-      <p:sp>
-        <p:nvSpPr>
-          <p:cNvPr id="3" name="2 Marcador de contenido"/>
-          <p:cNvSpPr>
-            <a:spLocks noGrp="1"/>
-          </p:cNvSpPr>
-          <p:nvPr>
-            <p:ph idx="1"/>
-          </p:nvPr>
-        </p:nvSpPr>
-        <p:spPr/>
-        <p:txBody>
-          <a:bodyPr/>
+              <a:rPr lang="es-AR" sz="2800" dirty="0" smtClean="0"/>
+              <a:t>Se obtiene de un </a:t>
+            </a:r>
+            <a:r>
+              <a:rPr lang="es-ES" sz="2800" dirty="0" smtClean="0"/>
+              <a:t>Excel con el siguiente formato:</a:t>
+            </a:r>
+          </a:p>
+          <a:p>
+            <a:endParaRPr lang="es-AR" dirty="0"/>
+          </a:p>
+          <a:p>
+            <a:endParaRPr lang="es-AR" dirty="0" smtClean="0"/>
+          </a:p>
+          <a:p>
+            <a:r>
+              <a:rPr lang="es-AR" sz="2800" dirty="0" smtClean="0"/>
+              <a:t>Se introducen en una Matriz que contendrá las categorías y las columnas de los atributos.</a:t>
+            </a:r>
+          </a:p>
+          <a:p>
+            <a:endParaRPr lang="es-ES" dirty="0" smtClean="0"/>
+          </a:p>
+        </p:txBody>
+      </p:sp>
+      <p:graphicFrame>
+        <p:nvGraphicFramePr>
+          <p:cNvPr id="4" name="3 Tabla"/>
+          <p:cNvGraphicFramePr>
+            <a:graphicFrameLocks noGrp="1"/>
+          </p:cNvGraphicFramePr>
+          <p:nvPr>
+            <p:extLst>
+              <p:ext uri="{D42A27DB-BD31-4B8C-83A1-F6EECF244321}">
+                <p14:modId xmlns:p14="http://schemas.microsoft.com/office/powerpoint/2010/main" val="3813829929"/>
+              </p:ext>
+            </p:extLst>
+          </p:nvPr>
+        </p:nvGraphicFramePr>
+        <p:xfrm>
+          <a:off x="827584" y="2132856"/>
+          <a:ext cx="7560838" cy="864096"/>
+        </p:xfrm>
+        <a:graphic>
+          <a:graphicData uri="http://schemas.openxmlformats.org/drawingml/2006/table">
+            <a:tbl>
+              <a:tblPr firstRow="1" firstCol="1" bandRow="1">
+                <a:tableStyleId>{3C2FFA5D-87B4-456A-9821-1D502468CF0F}</a:tableStyleId>
+              </a:tblPr>
+              <a:tblGrid>
+                <a:gridCol w="1829592"/>
+                <a:gridCol w="1322595"/>
+                <a:gridCol w="1322595"/>
+                <a:gridCol w="1322595"/>
+                <a:gridCol w="1763461"/>
+              </a:tblGrid>
+              <a:tr h="442585">
+                <a:tc>
+                  <a:txBody>
+                    <a:bodyPr/>
+                    <a:lstStyle/>
+                    <a:p>
+                      <a:pPr algn="ctr">
+                        <a:lnSpc>
+                          <a:spcPct val="115000"/>
+                        </a:lnSpc>
+                        <a:spcAft>
+                          <a:spcPts val="0"/>
+                        </a:spcAft>
+                      </a:pPr>
+                      <a:r>
+                        <a:rPr lang="es-AR" sz="1400" dirty="0">
+                          <a:effectLst/>
+                        </a:rPr>
+                        <a:t>Día</a:t>
+                      </a:r>
+                      <a:endParaRPr lang="es-ES" sz="1400" dirty="0">
+                        <a:effectLst/>
+                        <a:latin typeface="Calibri"/>
+                        <a:ea typeface="Calibri"/>
+                        <a:cs typeface="Times New Roman"/>
+                      </a:endParaRPr>
+                    </a:p>
+                  </a:txBody>
+                  <a:tcPr marL="44450" marR="44450" marT="0" marB="0" anchor="b"/>
+                </a:tc>
+                <a:tc>
+                  <a:txBody>
+                    <a:bodyPr/>
+                    <a:lstStyle/>
+                    <a:p>
+                      <a:pPr algn="ctr">
+                        <a:lnSpc>
+                          <a:spcPct val="115000"/>
+                        </a:lnSpc>
+                        <a:spcAft>
+                          <a:spcPts val="0"/>
+                        </a:spcAft>
+                      </a:pPr>
+                      <a:r>
+                        <a:rPr lang="es-AR" sz="1400">
+                          <a:effectLst/>
+                        </a:rPr>
+                        <a:t>Estación</a:t>
+                      </a:r>
+                      <a:endParaRPr lang="es-ES" sz="1400">
+                        <a:effectLst/>
+                        <a:latin typeface="Calibri"/>
+                        <a:ea typeface="Calibri"/>
+                        <a:cs typeface="Times New Roman"/>
+                      </a:endParaRPr>
+                    </a:p>
+                  </a:txBody>
+                  <a:tcPr marL="44450" marR="44450" marT="0" marB="0" anchor="b"/>
+                </a:tc>
+                <a:tc>
+                  <a:txBody>
+                    <a:bodyPr/>
+                    <a:lstStyle/>
+                    <a:p>
+                      <a:pPr algn="ctr">
+                        <a:lnSpc>
+                          <a:spcPct val="115000"/>
+                        </a:lnSpc>
+                        <a:spcAft>
+                          <a:spcPts val="0"/>
+                        </a:spcAft>
+                      </a:pPr>
+                      <a:r>
+                        <a:rPr lang="es-AR" sz="1400" dirty="0">
+                          <a:effectLst/>
+                        </a:rPr>
+                        <a:t>Viento</a:t>
+                      </a:r>
+                      <a:endParaRPr lang="es-ES" sz="1400" dirty="0">
+                        <a:effectLst/>
+                        <a:latin typeface="Calibri"/>
+                        <a:ea typeface="Calibri"/>
+                        <a:cs typeface="Times New Roman"/>
+                      </a:endParaRPr>
+                    </a:p>
+                  </a:txBody>
+                  <a:tcPr marL="44450" marR="44450" marT="0" marB="0" anchor="b"/>
+                </a:tc>
+                <a:tc>
+                  <a:txBody>
+                    <a:bodyPr/>
+                    <a:lstStyle/>
+                    <a:p>
+                      <a:pPr algn="ctr">
+                        <a:lnSpc>
+                          <a:spcPct val="115000"/>
+                        </a:lnSpc>
+                        <a:spcAft>
+                          <a:spcPts val="0"/>
+                        </a:spcAft>
+                      </a:pPr>
+                      <a:r>
+                        <a:rPr lang="es-AR" sz="1400">
+                          <a:effectLst/>
+                        </a:rPr>
+                        <a:t>Lluvia</a:t>
+                      </a:r>
+                      <a:endParaRPr lang="es-ES" sz="1400">
+                        <a:effectLst/>
+                        <a:latin typeface="Calibri"/>
+                        <a:ea typeface="Calibri"/>
+                        <a:cs typeface="Times New Roman"/>
+                      </a:endParaRPr>
+                    </a:p>
+                  </a:txBody>
+                  <a:tcPr marL="44450" marR="44450" marT="0" marB="0" anchor="b"/>
+                </a:tc>
+                <a:tc>
+                  <a:txBody>
+                    <a:bodyPr/>
+                    <a:lstStyle/>
+                    <a:p>
+                      <a:pPr algn="ctr">
+                        <a:lnSpc>
+                          <a:spcPct val="115000"/>
+                        </a:lnSpc>
+                        <a:spcAft>
+                          <a:spcPts val="0"/>
+                        </a:spcAft>
+                      </a:pPr>
+                      <a:r>
+                        <a:rPr lang="es-AR" sz="1400" dirty="0">
+                          <a:effectLst/>
+                        </a:rPr>
+                        <a:t>Categoría</a:t>
+                      </a:r>
+                      <a:endParaRPr lang="es-ES" sz="1400" dirty="0">
+                        <a:effectLst/>
+                        <a:latin typeface="Calibri"/>
+                        <a:ea typeface="Calibri"/>
+                        <a:cs typeface="Times New Roman"/>
+                      </a:endParaRPr>
+                    </a:p>
+                  </a:txBody>
+                  <a:tcPr marL="44450" marR="44450" marT="0" marB="0" anchor="b"/>
+                </a:tc>
+              </a:tr>
+              <a:tr h="421511">
+                <a:tc>
+                  <a:txBody>
+                    <a:bodyPr/>
+                    <a:lstStyle/>
+                    <a:p>
+                      <a:pPr algn="ctr">
+                        <a:lnSpc>
+                          <a:spcPct val="115000"/>
+                        </a:lnSpc>
+                        <a:spcAft>
+                          <a:spcPts val="0"/>
+                        </a:spcAft>
+                      </a:pPr>
+                      <a:r>
+                        <a:rPr lang="es-AR" sz="1400" b="0" dirty="0">
+                          <a:effectLst/>
+                        </a:rPr>
+                        <a:t>sábado</a:t>
+                      </a:r>
+                      <a:endParaRPr lang="es-ES" sz="1400" b="0" dirty="0">
+                        <a:effectLst/>
+                        <a:latin typeface="Calibri"/>
+                        <a:ea typeface="Calibri"/>
+                        <a:cs typeface="Times New Roman"/>
+                      </a:endParaRPr>
+                    </a:p>
+                  </a:txBody>
+                  <a:tcPr marL="44450" marR="44450" marT="0" marB="0" anchor="b"/>
+                </a:tc>
+                <a:tc>
+                  <a:txBody>
+                    <a:bodyPr/>
+                    <a:lstStyle/>
+                    <a:p>
+                      <a:pPr algn="ctr">
+                        <a:lnSpc>
+                          <a:spcPct val="115000"/>
+                        </a:lnSpc>
+                        <a:spcAft>
+                          <a:spcPts val="0"/>
+                        </a:spcAft>
+                      </a:pPr>
+                      <a:r>
+                        <a:rPr lang="es-AR" sz="1400" dirty="0">
+                          <a:effectLst/>
+                        </a:rPr>
+                        <a:t>otoño</a:t>
+                      </a:r>
+                      <a:endParaRPr lang="es-ES" sz="1400" dirty="0">
+                        <a:effectLst/>
+                        <a:latin typeface="Calibri"/>
+                        <a:ea typeface="Calibri"/>
+                        <a:cs typeface="Times New Roman"/>
+                      </a:endParaRPr>
+                    </a:p>
+                  </a:txBody>
+                  <a:tcPr marL="44450" marR="44450" marT="0" marB="0" anchor="b"/>
+                </a:tc>
+                <a:tc>
+                  <a:txBody>
+                    <a:bodyPr/>
+                    <a:lstStyle/>
+                    <a:p>
+                      <a:pPr algn="ctr">
+                        <a:lnSpc>
+                          <a:spcPct val="115000"/>
+                        </a:lnSpc>
+                        <a:spcAft>
+                          <a:spcPts val="0"/>
+                        </a:spcAft>
+                      </a:pPr>
+                      <a:r>
+                        <a:rPr lang="es-AR" sz="1400" dirty="0">
+                          <a:effectLst/>
+                        </a:rPr>
+                        <a:t>fuerte</a:t>
+                      </a:r>
+                      <a:endParaRPr lang="es-ES" sz="1400" dirty="0">
+                        <a:effectLst/>
+                        <a:latin typeface="Calibri"/>
+                        <a:ea typeface="Calibri"/>
+                        <a:cs typeface="Times New Roman"/>
+                      </a:endParaRPr>
+                    </a:p>
+                  </a:txBody>
+                  <a:tcPr marL="44450" marR="44450" marT="0" marB="0" anchor="b"/>
+                </a:tc>
+                <a:tc>
+                  <a:txBody>
+                    <a:bodyPr/>
+                    <a:lstStyle/>
+                    <a:p>
+                      <a:pPr algn="ctr">
+                        <a:lnSpc>
+                          <a:spcPct val="115000"/>
+                        </a:lnSpc>
+                        <a:spcAft>
+                          <a:spcPts val="0"/>
+                        </a:spcAft>
+                      </a:pPr>
+                      <a:r>
+                        <a:rPr lang="es-AR" sz="1400">
+                          <a:effectLst/>
+                        </a:rPr>
+                        <a:t>no</a:t>
+                      </a:r>
+                      <a:endParaRPr lang="es-ES" sz="1400">
+                        <a:effectLst/>
+                        <a:latin typeface="Calibri"/>
+                        <a:ea typeface="Calibri"/>
+                        <a:cs typeface="Times New Roman"/>
+                      </a:endParaRPr>
+                    </a:p>
+                  </a:txBody>
+                  <a:tcPr marL="44450" marR="44450" marT="0" marB="0" anchor="b"/>
+                </a:tc>
+                <a:tc>
+                  <a:txBody>
+                    <a:bodyPr/>
+                    <a:lstStyle/>
+                    <a:p>
+                      <a:pPr algn="ctr">
+                        <a:lnSpc>
+                          <a:spcPct val="115000"/>
+                        </a:lnSpc>
+                        <a:spcAft>
+                          <a:spcPts val="0"/>
+                        </a:spcAft>
+                      </a:pPr>
+                      <a:r>
+                        <a:rPr lang="es-AR" sz="1400" dirty="0" smtClean="0">
+                          <a:effectLst/>
+                        </a:rPr>
+                        <a:t>Puntual</a:t>
+                      </a:r>
+                      <a:endParaRPr lang="es-ES" sz="1400" dirty="0">
+                        <a:effectLst/>
+                        <a:latin typeface="Calibri"/>
+                        <a:ea typeface="Calibri"/>
+                        <a:cs typeface="Times New Roman"/>
+                      </a:endParaRPr>
+                    </a:p>
+                  </a:txBody>
+                  <a:tcPr marL="44450" marR="44450" marT="0" marB="0" anchor="b"/>
+                </a:tc>
+              </a:tr>
+            </a:tbl>
+          </a:graphicData>
+        </a:graphic>
+      </p:graphicFrame>
+      <p:sp>
+        <p:nvSpPr>
+          <p:cNvPr id="5" name="Rectangle 5"/>
+          <p:cNvSpPr>
+            <a:spLocks noChangeArrowheads="1"/>
+          </p:cNvSpPr>
+          <p:nvPr/>
+        </p:nvSpPr>
+        <p:spPr bwMode="auto">
+          <a:xfrm>
+            <a:off x="2393950" y="3667125"/>
+            <a:ext cx="9144000" cy="0"/>
+          </a:xfrm>
+          <a:prstGeom prst="rect">
+            <a:avLst/>
+          </a:prstGeom>
+          <a:noFill/>
+          <a:ln>
+            <a:noFill/>
+          </a:ln>
+          <a:effectLst/>
+          <a:extLst>
+            <a:ext uri="{909E8E84-426E-40DD-AFC4-6F175D3DCCD1}">
+              <a14:hiddenFill xmlns:a14="http://schemas.microsoft.com/office/drawing/2010/main">
+                <a:solidFill>
+                  <a:schemeClr val="accent1"/>
+                </a:solidFill>
+              </a14:hiddenFill>
+            </a:ext>
+            <a:ext uri="{91240B29-F687-4F45-9708-019B960494DF}">
+              <a14:hiddenLine xmlns:a14="http://schemas.microsoft.com/office/drawing/2010/main" w="9525">
+                <a:solidFill>
+                  <a:schemeClr val="tx1"/>
+                </a:solidFill>
+                <a:miter lim="800000"/>
+                <a:headEnd/>
+                <a:tailEnd/>
+              </a14:hiddenLine>
+            </a:ext>
+            <a:ext uri="{AF507438-7753-43E0-B8FC-AC1667EBCBE1}">
+              <a14:hiddenEffects xmlns:a14="http://schemas.microsoft.com/office/drawing/2010/main">
+                <a:effectLst>
+                  <a:outerShdw dist="35921" dir="2700000" algn="ctr" rotWithShape="0">
+                    <a:schemeClr val="bg2"/>
+                  </a:outerShdw>
+                </a:effectLst>
+              </a14:hiddenEffects>
+            </a:ext>
+          </a:extLst>
+        </p:spPr>
+        <p:txBody>
+          <a:bodyPr vert="horz" wrap="none" lIns="91440" tIns="45720" rIns="91440" bIns="45720" numCol="1" anchor="ctr" anchorCtr="0" compatLnSpc="1">
+            <a:prstTxWarp prst="textNoShape">
+              <a:avLst/>
+            </a:prstTxWarp>
+            <a:spAutoFit/>
+          </a:bodyPr>
           <a:lstStyle/>
           <a:p>
             <a:endParaRPr lang="es-ES"/>
+          </a:p>
+        </p:txBody>
+      </p:sp>
+      <p:sp>
+        <p:nvSpPr>
+          <p:cNvPr id="7" name="6 CuadroTexto"/>
+          <p:cNvSpPr txBox="1"/>
+          <p:nvPr/>
+        </p:nvSpPr>
+        <p:spPr>
+          <a:xfrm>
+            <a:off x="395536" y="1026905"/>
+            <a:ext cx="6840760" cy="584775"/>
+          </a:xfrm>
+          <a:prstGeom prst="rect">
+            <a:avLst/>
+          </a:prstGeom>
+          <a:noFill/>
+        </p:spPr>
+        <p:txBody>
+          <a:bodyPr wrap="square" rtlCol="0">
+            <a:spAutoFit/>
+          </a:bodyPr>
+          <a:lstStyle/>
+          <a:p>
+            <a:r>
+              <a:rPr lang="es-AR" sz="3200" dirty="0" smtClean="0"/>
+              <a:t>Capa: Obtención </a:t>
+            </a:r>
+            <a:r>
+              <a:rPr lang="es-AR" sz="3200" dirty="0"/>
+              <a:t>de Muestra</a:t>
+            </a:r>
+            <a:endParaRPr lang="es-ES" sz="3200" dirty="0"/>
           </a:p>
         </p:txBody>
       </p:sp>
@@ -3314,6 +3829,13 @@
   <p:clrMapOvr>
     <a:masterClrMapping/>
   </p:clrMapOvr>
+  <p:timing>
+    <p:tnLst>
+      <p:par>
+        <p:cTn id="1" dur="indefinite" restart="never" nodeType="tmRoot"/>
+      </p:par>
+    </p:tnLst>
+  </p:timing>
 </p:sld>
 </file>
 
@@ -3336,43 +3858,137 @@
       </p:grpSpPr>
       <p:sp>
         <p:nvSpPr>
-          <p:cNvPr id="2" name="1 Título"/>
-          <p:cNvSpPr>
-            <a:spLocks noGrp="1"/>
-          </p:cNvSpPr>
-          <p:nvPr>
-            <p:ph type="title"/>
+          <p:cNvPr id="3" name="2 Marcador de contenido"/>
+          <p:cNvSpPr>
+            <a:spLocks noGrp="1"/>
+          </p:cNvSpPr>
+          <p:nvPr>
+            <p:ph idx="1"/>
           </p:nvPr>
         </p:nvSpPr>
         <p:spPr/>
         <p:txBody>
-          <a:bodyPr/>
-          <a:lstStyle/>
-          <a:p>
-            <a:r>
-              <a:rPr lang="es-AR" dirty="0" smtClean="0"/>
-              <a:t>Capas: Cálculos Entropía/IG</a:t>
-            </a:r>
-            <a:endParaRPr lang="es-ES" dirty="0"/>
-          </a:p>
-        </p:txBody>
-      </p:sp>
-      <p:sp>
-        <p:nvSpPr>
-          <p:cNvPr id="3" name="2 Marcador de contenido"/>
-          <p:cNvSpPr>
-            <a:spLocks noGrp="1"/>
-          </p:cNvSpPr>
-          <p:nvPr>
-            <p:ph idx="1"/>
-          </p:nvPr>
-        </p:nvSpPr>
-        <p:spPr/>
-        <p:txBody>
-          <a:bodyPr/>
-          <a:lstStyle/>
-          <a:p>
-            <a:endParaRPr lang="es-ES" dirty="0"/>
+          <a:bodyPr>
+            <a:normAutofit/>
+          </a:bodyPr>
+          <a:lstStyle/>
+          <a:p>
+            <a:r>
+              <a:rPr lang="es-AR" sz="2800" dirty="0" smtClean="0"/>
+              <a:t>Compuesta esencialmente por las siguientes tres funciones:</a:t>
+            </a:r>
+          </a:p>
+          <a:p>
+            <a:pPr lvl="1"/>
+            <a:r>
+              <a:rPr lang="es-AR" sz="2400" dirty="0" smtClean="0"/>
+              <a:t>Calcular la ganancia de información (IG) de cada columna.</a:t>
+            </a:r>
+          </a:p>
+          <a:p>
+            <a:pPr lvl="1"/>
+            <a:r>
+              <a:rPr lang="es-AR" sz="2400" dirty="0" smtClean="0"/>
+              <a:t>Calcular la entropía de la columna categoría.</a:t>
+            </a:r>
+          </a:p>
+          <a:p>
+            <a:pPr lvl="1"/>
+            <a:r>
+              <a:rPr lang="es-AR" sz="2400" dirty="0" smtClean="0"/>
+              <a:t>Calcular la entropía de cada columna a partir de un valor dado.</a:t>
+            </a:r>
+            <a:endParaRPr lang="es-ES" sz="2400" dirty="0"/>
+          </a:p>
+          <a:p>
+            <a:r>
+              <a:rPr lang="es-AR" sz="2800" dirty="0" smtClean="0"/>
+              <a:t>El encargado de realizar estas funciones es la Matriz.</a:t>
+            </a:r>
+          </a:p>
+        </p:txBody>
+      </p:sp>
+      <p:sp>
+        <p:nvSpPr>
+          <p:cNvPr id="4" name="3 CuadroTexto"/>
+          <p:cNvSpPr txBox="1"/>
+          <p:nvPr/>
+        </p:nvSpPr>
+        <p:spPr>
+          <a:xfrm>
+            <a:off x="395536" y="1026905"/>
+            <a:ext cx="6840760" cy="584775"/>
+          </a:xfrm>
+          <a:prstGeom prst="rect">
+            <a:avLst/>
+          </a:prstGeom>
+          <a:noFill/>
+        </p:spPr>
+        <p:txBody>
+          <a:bodyPr wrap="square" rtlCol="0">
+            <a:spAutoFit/>
+          </a:bodyPr>
+          <a:lstStyle/>
+          <a:p>
+            <a:r>
+              <a:rPr lang="es-AR" sz="3200" dirty="0" smtClean="0"/>
+              <a:t>Capa: Cálculos </a:t>
+            </a:r>
+            <a:r>
+              <a:rPr lang="es-AR" sz="3200" dirty="0"/>
+              <a:t>Entropía/IG</a:t>
+            </a:r>
+            <a:endParaRPr lang="es-ES" sz="3200" dirty="0"/>
+          </a:p>
+        </p:txBody>
+      </p:sp>
+      <p:sp>
+        <p:nvSpPr>
+          <p:cNvPr id="6" name="1 Título"/>
+          <p:cNvSpPr txBox="1">
+            <a:spLocks/>
+          </p:cNvSpPr>
+          <p:nvPr/>
+        </p:nvSpPr>
+        <p:spPr>
+          <a:xfrm>
+            <a:off x="408112" y="188640"/>
+            <a:ext cx="8229600" cy="1008112"/>
+          </a:xfrm>
+          <a:prstGeom prst="rect">
+            <a:avLst/>
+          </a:prstGeom>
+        </p:spPr>
+        <p:txBody>
+          <a:bodyPr vert="horz" lIns="91440" tIns="45720" rIns="91440" bIns="45720" rtlCol="0" anchor="ctr">
+            <a:normAutofit/>
+          </a:bodyPr>
+          <a:lstStyle>
+            <a:lvl1pPr algn="ctr" defTabSz="914400" rtl="0" eaLnBrk="1" latinLnBrk="0" hangingPunct="1">
+              <a:spcBef>
+                <a:spcPct val="0"/>
+              </a:spcBef>
+              <a:buNone/>
+              <a:defRPr sz="4400" kern="1200">
+                <a:solidFill>
+                  <a:schemeClr val="tx1"/>
+                </a:solidFill>
+                <a:latin typeface="+mj-lt"/>
+                <a:ea typeface="+mj-ea"/>
+                <a:cs typeface="+mj-cs"/>
+              </a:defRPr>
+            </a:lvl1pPr>
+          </a:lstStyle>
+          <a:p>
+            <a:r>
+              <a:rPr lang="es-AR" smtClean="0"/>
+              <a:t>Resolución</a:t>
+            </a:r>
+            <a:r>
+              <a:rPr lang="es-AR" sz="4900" smtClean="0"/>
+              <a:t> del Problema</a:t>
+            </a:r>
+            <a:endParaRPr lang="es-ES" sz="4000" dirty="0"/>
           </a:p>
         </p:txBody>
       </p:sp>
@@ -3386,6 +4002,13 @@
   <p:clrMapOvr>
     <a:masterClrMapping/>
   </p:clrMapOvr>
+  <p:timing>
+    <p:tnLst>
+      <p:par>
+        <p:cTn id="1" dur="indefinite" restart="never" nodeType="tmRoot"/>
+      </p:par>
+    </p:tnLst>
+  </p:timing>
 </p:sld>
 </file>
 
@@ -3408,43 +4031,161 @@
       </p:grpSpPr>
       <p:sp>
         <p:nvSpPr>
-          <p:cNvPr id="2" name="1 Título"/>
-          <p:cNvSpPr>
-            <a:spLocks noGrp="1"/>
-          </p:cNvSpPr>
-          <p:nvPr>
-            <p:ph type="title"/>
-          </p:nvPr>
-        </p:nvSpPr>
-        <p:spPr/>
-        <p:txBody>
-          <a:bodyPr/>
+          <p:cNvPr id="3" name="2 Marcador de contenido"/>
+          <p:cNvSpPr>
+            <a:spLocks noGrp="1"/>
+          </p:cNvSpPr>
+          <p:nvPr>
+            <p:ph idx="1"/>
+          </p:nvPr>
+        </p:nvSpPr>
+        <p:spPr>
+          <a:xfrm>
+            <a:off x="467544" y="1711349"/>
+            <a:ext cx="8229600" cy="4525963"/>
+          </a:xfrm>
+        </p:spPr>
+        <p:txBody>
+          <a:bodyPr>
+            <a:normAutofit fontScale="85000" lnSpcReduction="20000"/>
+          </a:bodyPr>
           <a:lstStyle/>
           <a:p>
             <a:r>
               <a:rPr lang="es-AR" dirty="0" smtClean="0"/>
+              <a:t>Utiliza la capa de cálculos para poder generar la raíz, los nodos y las hojas del árbol.</a:t>
+            </a:r>
+          </a:p>
+          <a:p>
+            <a:r>
+              <a:rPr lang="es-AR" dirty="0" smtClean="0"/>
+              <a:t>En primer lugar obtiene la raíz (la columna de mayor IG)</a:t>
+            </a:r>
+          </a:p>
+          <a:p>
+            <a:r>
+              <a:rPr lang="es-AR" dirty="0" smtClean="0"/>
+              <a:t>Luego a partir de las siguientes funciones genera los nodos y las hojas:</a:t>
+            </a:r>
+            <a:endParaRPr lang="es-AR" dirty="0" smtClean="0"/>
+          </a:p>
+          <a:p>
+            <a:pPr lvl="1"/>
+            <a:r>
+              <a:rPr lang="es-AR" dirty="0" smtClean="0"/>
+              <a:t>Obtener Resultados (genera los nodos y las hojas)</a:t>
+            </a:r>
+          </a:p>
+          <a:p>
+            <a:pPr lvl="1"/>
+            <a:r>
+              <a:rPr lang="es-AR" dirty="0" smtClean="0"/>
+              <a:t>Obtener Resultado a partir de un valor (genera un nodo o una hoja, es utilizada por la función anterior)</a:t>
+            </a:r>
+          </a:p>
+          <a:p>
+            <a:r>
+              <a:rPr lang="es-AR" dirty="0"/>
+              <a:t>El encargado de realizar estas funciones es la Matriz</a:t>
+            </a:r>
+            <a:r>
+              <a:rPr lang="es-AR" dirty="0" smtClean="0"/>
+              <a:t>.</a:t>
+            </a:r>
+          </a:p>
+          <a:p>
+            <a:r>
+              <a:rPr lang="es-AR" dirty="0" smtClean="0"/>
+              <a:t>En la misma iteración solo se crean los nodos y las hojas de un mismo nivel del árbol.</a:t>
+            </a:r>
+            <a:endParaRPr lang="es-AR" dirty="0"/>
+          </a:p>
+          <a:p>
+            <a:pPr lvl="1"/>
+            <a:endParaRPr lang="es-AR" dirty="0"/>
+          </a:p>
+          <a:p>
+            <a:endParaRPr lang="es-ES" dirty="0"/>
+          </a:p>
+        </p:txBody>
+      </p:sp>
+      <p:sp>
+        <p:nvSpPr>
+          <p:cNvPr id="4" name="3 CuadroTexto"/>
+          <p:cNvSpPr txBox="1"/>
+          <p:nvPr/>
+        </p:nvSpPr>
+        <p:spPr>
+          <a:xfrm>
+            <a:off x="395536" y="1026905"/>
+            <a:ext cx="6840760" cy="584775"/>
+          </a:xfrm>
+          <a:prstGeom prst="rect">
+            <a:avLst/>
+          </a:prstGeom>
+          <a:noFill/>
+        </p:spPr>
+        <p:txBody>
+          <a:bodyPr wrap="square" rtlCol="0">
+            <a:spAutoFit/>
+          </a:bodyPr>
+          <a:lstStyle/>
+          <a:p>
+            <a:r>
+              <a:rPr lang="es-AR" sz="3200" dirty="0"/>
               <a:t>Capas: Creación del Árbol</a:t>
             </a:r>
-            <a:endParaRPr lang="es-ES" dirty="0"/>
-          </a:p>
-        </p:txBody>
-      </p:sp>
-      <p:sp>
-        <p:nvSpPr>
-          <p:cNvPr id="3" name="2 Marcador de contenido"/>
-          <p:cNvSpPr>
-            <a:spLocks noGrp="1"/>
-          </p:cNvSpPr>
-          <p:nvPr>
-            <p:ph idx="1"/>
-          </p:nvPr>
-        </p:nvSpPr>
-        <p:spPr/>
-        <p:txBody>
-          <a:bodyPr/>
-          <a:lstStyle/>
-          <a:p>
-            <a:endParaRPr lang="es-ES"/>
+            <a:endParaRPr lang="es-ES" sz="3200" dirty="0"/>
+          </a:p>
+        </p:txBody>
+      </p:sp>
+      <p:sp>
+        <p:nvSpPr>
+          <p:cNvPr id="8" name="1 Título"/>
+          <p:cNvSpPr txBox="1">
+            <a:spLocks/>
+          </p:cNvSpPr>
+          <p:nvPr/>
+        </p:nvSpPr>
+        <p:spPr>
+          <a:xfrm>
+            <a:off x="408112" y="188640"/>
+            <a:ext cx="8229600" cy="1008112"/>
+          </a:xfrm>
+          <a:prstGeom prst="rect">
+            <a:avLst/>
+          </a:prstGeom>
+        </p:spPr>
+        <p:txBody>
+          <a:bodyPr vert="horz" lIns="91440" tIns="45720" rIns="91440" bIns="45720" rtlCol="0" anchor="ctr">
+            <a:normAutofit/>
+          </a:bodyPr>
+          <a:lstStyle>
+            <a:lvl1pPr algn="ctr" defTabSz="914400" rtl="0" eaLnBrk="1" latinLnBrk="0" hangingPunct="1">
+              <a:spcBef>
+                <a:spcPct val="0"/>
+              </a:spcBef>
+              <a:buNone/>
+              <a:defRPr sz="4400" kern="1200">
+                <a:solidFill>
+                  <a:schemeClr val="tx1"/>
+                </a:solidFill>
+                <a:latin typeface="+mj-lt"/>
+                <a:ea typeface="+mj-ea"/>
+                <a:cs typeface="+mj-cs"/>
+              </a:defRPr>
+            </a:lvl1pPr>
+          </a:lstStyle>
+          <a:p>
+            <a:r>
+              <a:rPr lang="es-AR" dirty="0" smtClean="0"/>
+              <a:t>Resolución</a:t>
+            </a:r>
+            <a:r>
+              <a:rPr lang="es-AR" sz="4900" dirty="0" smtClean="0"/>
+              <a:t> del Problema</a:t>
+            </a:r>
+            <a:endParaRPr lang="es-ES" sz="4000" dirty="0"/>
           </a:p>
         </p:txBody>
       </p:sp>
@@ -3458,6 +4199,13 @@
   <p:clrMapOvr>
     <a:masterClrMapping/>
   </p:clrMapOvr>
+  <p:timing>
+    <p:tnLst>
+      <p:par>
+        <p:cTn id="1" dur="indefinite" restart="never" nodeType="tmRoot"/>
+      </p:par>
+    </p:tnLst>
+  </p:timing>
 </p:sld>
 </file>
 
@@ -3480,44 +4228,541 @@
       </p:grpSpPr>
       <p:sp>
         <p:nvSpPr>
-          <p:cNvPr id="2" name="1 Título"/>
-          <p:cNvSpPr>
-            <a:spLocks noGrp="1"/>
-          </p:cNvSpPr>
-          <p:nvPr>
-            <p:ph type="title"/>
+          <p:cNvPr id="3" name="2 Marcador de contenido"/>
+          <p:cNvSpPr>
+            <a:spLocks noGrp="1"/>
+          </p:cNvSpPr>
+          <p:nvPr>
+            <p:ph idx="1"/>
           </p:nvPr>
         </p:nvSpPr>
         <p:spPr/>
         <p:txBody>
-          <a:bodyPr/>
+          <a:bodyPr>
+            <a:normAutofit fontScale="70000" lnSpcReduction="20000"/>
+          </a:bodyPr>
           <a:lstStyle/>
           <a:p>
             <a:r>
               <a:rPr lang="es-AR" dirty="0" smtClean="0"/>
-              <a:t>Capas: Obtención de </a:t>
-            </a:r>
-            <a:r>
-              <a:rPr lang="es-AR" smtClean="0"/>
-              <a:t>la Categoría</a:t>
-            </a:r>
-            <a:endParaRPr lang="es-ES" dirty="0"/>
-          </a:p>
-        </p:txBody>
-      </p:sp>
-      <p:sp>
-        <p:nvSpPr>
-          <p:cNvPr id="3" name="2 Marcador de contenido"/>
-          <p:cNvSpPr>
-            <a:spLocks noGrp="1"/>
-          </p:cNvSpPr>
-          <p:nvPr>
-            <p:ph idx="1"/>
-          </p:nvPr>
-        </p:nvSpPr>
-        <p:spPr/>
-        <p:txBody>
-          <a:bodyPr/>
+              <a:t>Se obtiene a partir de datos a ingresados en un </a:t>
+            </a:r>
+            <a:r>
+              <a:rPr lang="es-AR" dirty="0" err="1" smtClean="0"/>
+              <a:t>excel</a:t>
+            </a:r>
+            <a:r>
+              <a:rPr lang="es-AR" dirty="0" smtClean="0"/>
+              <a:t>. E</a:t>
+            </a:r>
+            <a:r>
+              <a:rPr lang="es-AR" dirty="0" smtClean="0"/>
+              <a:t>jemplo:</a:t>
+            </a:r>
+          </a:p>
+          <a:p>
+            <a:endParaRPr lang="es-AR" dirty="0"/>
+          </a:p>
+          <a:p>
+            <a:endParaRPr lang="es-AR" dirty="0" smtClean="0"/>
+          </a:p>
+          <a:p>
+            <a:endParaRPr lang="es-AR" dirty="0" smtClean="0"/>
+          </a:p>
+          <a:p>
+            <a:r>
+              <a:rPr lang="es-AR" dirty="0" smtClean="0"/>
+              <a:t>Se realiza la creación del primer nivel del árbol, el cual incluye los nodos u hojas que dependen de la columna de mayor IG.</a:t>
+            </a:r>
+          </a:p>
+          <a:p>
+            <a:r>
+              <a:rPr lang="es-AR" dirty="0" smtClean="0"/>
+              <a:t>Se busca entre las hojas y los nodos del nivel creado el valor que corresponde con el que se quiere categorizar perteneciente a la columna de mayor IG.</a:t>
+            </a:r>
+          </a:p>
+          <a:p>
+            <a:pPr lvl="1"/>
+            <a:r>
+              <a:rPr lang="es-AR" dirty="0" smtClean="0"/>
+              <a:t>Si es un Nodo: se crea el siguiente nivel del árbol y se itera este paso hasta llegar a una hoja.</a:t>
+            </a:r>
+          </a:p>
+          <a:p>
+            <a:pPr lvl="1"/>
+            <a:r>
+              <a:rPr lang="es-AR" dirty="0" smtClean="0"/>
+              <a:t>Si es una hoja: esta contiene la categoría correcta y es la que se devuelve.</a:t>
+            </a:r>
+          </a:p>
+        </p:txBody>
+      </p:sp>
+      <p:sp>
+        <p:nvSpPr>
+          <p:cNvPr id="4" name="3 CuadroTexto"/>
+          <p:cNvSpPr txBox="1"/>
+          <p:nvPr/>
+        </p:nvSpPr>
+        <p:spPr>
+          <a:xfrm>
+            <a:off x="395536" y="1026905"/>
+            <a:ext cx="6840760" cy="584775"/>
+          </a:xfrm>
+          <a:prstGeom prst="rect">
+            <a:avLst/>
+          </a:prstGeom>
+          <a:noFill/>
+        </p:spPr>
+        <p:txBody>
+          <a:bodyPr wrap="square" rtlCol="0">
+            <a:spAutoFit/>
+          </a:bodyPr>
+          <a:lstStyle/>
+          <a:p>
+            <a:r>
+              <a:rPr lang="es-AR" sz="3200" dirty="0"/>
+              <a:t>Capas: Obtención de la Categoría</a:t>
+            </a:r>
+            <a:endParaRPr lang="es-ES" sz="3200" dirty="0"/>
+          </a:p>
+        </p:txBody>
+      </p:sp>
+      <p:sp>
+        <p:nvSpPr>
+          <p:cNvPr id="6" name="1 Título"/>
+          <p:cNvSpPr txBox="1">
+            <a:spLocks/>
+          </p:cNvSpPr>
+          <p:nvPr/>
+        </p:nvSpPr>
+        <p:spPr>
+          <a:xfrm>
+            <a:off x="408112" y="188640"/>
+            <a:ext cx="8229600" cy="1008112"/>
+          </a:xfrm>
+          <a:prstGeom prst="rect">
+            <a:avLst/>
+          </a:prstGeom>
+        </p:spPr>
+        <p:txBody>
+          <a:bodyPr vert="horz" lIns="91440" tIns="45720" rIns="91440" bIns="45720" rtlCol="0" anchor="ctr">
+            <a:normAutofit/>
+          </a:bodyPr>
+          <a:lstStyle>
+            <a:lvl1pPr algn="ctr" defTabSz="914400" rtl="0" eaLnBrk="1" latinLnBrk="0" hangingPunct="1">
+              <a:spcBef>
+                <a:spcPct val="0"/>
+              </a:spcBef>
+              <a:buNone/>
+              <a:defRPr sz="4400" kern="1200">
+                <a:solidFill>
+                  <a:schemeClr val="tx1"/>
+                </a:solidFill>
+                <a:latin typeface="+mj-lt"/>
+                <a:ea typeface="+mj-ea"/>
+                <a:cs typeface="+mj-cs"/>
+              </a:defRPr>
+            </a:lvl1pPr>
+          </a:lstStyle>
+          <a:p>
+            <a:r>
+              <a:rPr lang="es-AR" dirty="0" smtClean="0"/>
+              <a:t>Resolución</a:t>
+            </a:r>
+            <a:r>
+              <a:rPr lang="es-AR" sz="4900" dirty="0" smtClean="0"/>
+              <a:t> del Problema</a:t>
+            </a:r>
+            <a:endParaRPr lang="es-ES" sz="4000" dirty="0"/>
+          </a:p>
+        </p:txBody>
+      </p:sp>
+      <p:graphicFrame>
+        <p:nvGraphicFramePr>
+          <p:cNvPr id="7" name="6 Tabla"/>
+          <p:cNvGraphicFramePr>
+            <a:graphicFrameLocks noGrp="1"/>
+          </p:cNvGraphicFramePr>
+          <p:nvPr>
+            <p:extLst>
+              <p:ext uri="{D42A27DB-BD31-4B8C-83A1-F6EECF244321}">
+                <p14:modId xmlns:p14="http://schemas.microsoft.com/office/powerpoint/2010/main" val="933717866"/>
+              </p:ext>
+            </p:extLst>
+          </p:nvPr>
+        </p:nvGraphicFramePr>
+        <p:xfrm>
+          <a:off x="1547664" y="2060848"/>
+          <a:ext cx="5117143" cy="792088"/>
+        </p:xfrm>
+        <a:graphic>
+          <a:graphicData uri="http://schemas.openxmlformats.org/drawingml/2006/table">
+            <a:tbl>
+              <a:tblPr firstRow="1" firstCol="1" bandRow="1">
+                <a:tableStyleId>{3C2FFA5D-87B4-456A-9821-1D502468CF0F}</a:tableStyleId>
+              </a:tblPr>
+              <a:tblGrid>
+                <a:gridCol w="1238259"/>
+                <a:gridCol w="895127"/>
+                <a:gridCol w="895127"/>
+                <a:gridCol w="895127"/>
+                <a:gridCol w="1193503"/>
+              </a:tblGrid>
+              <a:tr h="405704">
+                <a:tc>
+                  <a:txBody>
+                    <a:bodyPr/>
+                    <a:lstStyle/>
+                    <a:p>
+                      <a:pPr algn="ctr">
+                        <a:lnSpc>
+                          <a:spcPct val="115000"/>
+                        </a:lnSpc>
+                        <a:spcAft>
+                          <a:spcPts val="0"/>
+                        </a:spcAft>
+                      </a:pPr>
+                      <a:r>
+                        <a:rPr lang="es-AR" sz="1400" dirty="0">
+                          <a:effectLst/>
+                        </a:rPr>
+                        <a:t>Día</a:t>
+                      </a:r>
+                      <a:endParaRPr lang="es-ES" sz="1400" dirty="0">
+                        <a:effectLst/>
+                        <a:latin typeface="Calibri"/>
+                        <a:ea typeface="Calibri"/>
+                        <a:cs typeface="Times New Roman"/>
+                      </a:endParaRPr>
+                    </a:p>
+                  </a:txBody>
+                  <a:tcPr marL="44450" marR="44450" marT="0" marB="0" anchor="b"/>
+                </a:tc>
+                <a:tc>
+                  <a:txBody>
+                    <a:bodyPr/>
+                    <a:lstStyle/>
+                    <a:p>
+                      <a:pPr algn="ctr">
+                        <a:lnSpc>
+                          <a:spcPct val="115000"/>
+                        </a:lnSpc>
+                        <a:spcAft>
+                          <a:spcPts val="0"/>
+                        </a:spcAft>
+                      </a:pPr>
+                      <a:r>
+                        <a:rPr lang="es-AR" sz="1400" dirty="0">
+                          <a:effectLst/>
+                        </a:rPr>
+                        <a:t>Estación</a:t>
+                      </a:r>
+                      <a:endParaRPr lang="es-ES" sz="1400" dirty="0">
+                        <a:effectLst/>
+                        <a:latin typeface="Calibri"/>
+                        <a:ea typeface="Calibri"/>
+                        <a:cs typeface="Times New Roman"/>
+                      </a:endParaRPr>
+                    </a:p>
+                  </a:txBody>
+                  <a:tcPr marL="44450" marR="44450" marT="0" marB="0" anchor="b"/>
+                </a:tc>
+                <a:tc>
+                  <a:txBody>
+                    <a:bodyPr/>
+                    <a:lstStyle/>
+                    <a:p>
+                      <a:pPr algn="ctr">
+                        <a:lnSpc>
+                          <a:spcPct val="115000"/>
+                        </a:lnSpc>
+                        <a:spcAft>
+                          <a:spcPts val="0"/>
+                        </a:spcAft>
+                      </a:pPr>
+                      <a:r>
+                        <a:rPr lang="es-AR" sz="1400" dirty="0">
+                          <a:effectLst/>
+                        </a:rPr>
+                        <a:t>Viento</a:t>
+                      </a:r>
+                      <a:endParaRPr lang="es-ES" sz="1400" dirty="0">
+                        <a:effectLst/>
+                        <a:latin typeface="Calibri"/>
+                        <a:ea typeface="Calibri"/>
+                        <a:cs typeface="Times New Roman"/>
+                      </a:endParaRPr>
+                    </a:p>
+                  </a:txBody>
+                  <a:tcPr marL="44450" marR="44450" marT="0" marB="0" anchor="b"/>
+                </a:tc>
+                <a:tc>
+                  <a:txBody>
+                    <a:bodyPr/>
+                    <a:lstStyle/>
+                    <a:p>
+                      <a:pPr algn="ctr">
+                        <a:lnSpc>
+                          <a:spcPct val="115000"/>
+                        </a:lnSpc>
+                        <a:spcAft>
+                          <a:spcPts val="0"/>
+                        </a:spcAft>
+                      </a:pPr>
+                      <a:r>
+                        <a:rPr lang="es-AR" sz="1400">
+                          <a:effectLst/>
+                        </a:rPr>
+                        <a:t>Lluvia</a:t>
+                      </a:r>
+                      <a:endParaRPr lang="es-ES" sz="1400">
+                        <a:effectLst/>
+                        <a:latin typeface="Calibri"/>
+                        <a:ea typeface="Calibri"/>
+                        <a:cs typeface="Times New Roman"/>
+                      </a:endParaRPr>
+                    </a:p>
+                  </a:txBody>
+                  <a:tcPr marL="44450" marR="44450" marT="0" marB="0" anchor="b"/>
+                </a:tc>
+                <a:tc>
+                  <a:txBody>
+                    <a:bodyPr/>
+                    <a:lstStyle/>
+                    <a:p>
+                      <a:pPr algn="ctr">
+                        <a:lnSpc>
+                          <a:spcPct val="115000"/>
+                        </a:lnSpc>
+                        <a:spcAft>
+                          <a:spcPts val="0"/>
+                        </a:spcAft>
+                      </a:pPr>
+                      <a:r>
+                        <a:rPr lang="es-AR" sz="1400" dirty="0">
+                          <a:effectLst/>
+                        </a:rPr>
+                        <a:t>Categoría</a:t>
+                      </a:r>
+                      <a:endParaRPr lang="es-ES" sz="1400" dirty="0">
+                        <a:effectLst/>
+                        <a:latin typeface="Calibri"/>
+                        <a:ea typeface="Calibri"/>
+                        <a:cs typeface="Times New Roman"/>
+                      </a:endParaRPr>
+                    </a:p>
+                  </a:txBody>
+                  <a:tcPr marL="44450" marR="44450" marT="0" marB="0" anchor="b"/>
+                </a:tc>
+              </a:tr>
+              <a:tr h="386384">
+                <a:tc>
+                  <a:txBody>
+                    <a:bodyPr/>
+                    <a:lstStyle/>
+                    <a:p>
+                      <a:pPr algn="ctr">
+                        <a:lnSpc>
+                          <a:spcPct val="115000"/>
+                        </a:lnSpc>
+                        <a:spcAft>
+                          <a:spcPts val="0"/>
+                        </a:spcAft>
+                      </a:pPr>
+                      <a:r>
+                        <a:rPr lang="es-AR" sz="1400" b="0" dirty="0">
+                          <a:effectLst/>
+                        </a:rPr>
+                        <a:t>sábado</a:t>
+                      </a:r>
+                      <a:endParaRPr lang="es-ES" sz="1400" b="0" dirty="0">
+                        <a:effectLst/>
+                        <a:latin typeface="Calibri"/>
+                        <a:ea typeface="Calibri"/>
+                        <a:cs typeface="Times New Roman"/>
+                      </a:endParaRPr>
+                    </a:p>
+                  </a:txBody>
+                  <a:tcPr marL="44450" marR="44450" marT="0" marB="0" anchor="b"/>
+                </a:tc>
+                <a:tc>
+                  <a:txBody>
+                    <a:bodyPr/>
+                    <a:lstStyle/>
+                    <a:p>
+                      <a:pPr algn="ctr">
+                        <a:lnSpc>
+                          <a:spcPct val="115000"/>
+                        </a:lnSpc>
+                        <a:spcAft>
+                          <a:spcPts val="0"/>
+                        </a:spcAft>
+                      </a:pPr>
+                      <a:r>
+                        <a:rPr lang="es-AR" sz="1400">
+                          <a:effectLst/>
+                        </a:rPr>
+                        <a:t>otoño</a:t>
+                      </a:r>
+                      <a:endParaRPr lang="es-ES" sz="1400">
+                        <a:effectLst/>
+                        <a:latin typeface="Calibri"/>
+                        <a:ea typeface="Calibri"/>
+                        <a:cs typeface="Times New Roman"/>
+                      </a:endParaRPr>
+                    </a:p>
+                  </a:txBody>
+                  <a:tcPr marL="44450" marR="44450" marT="0" marB="0" anchor="b"/>
+                </a:tc>
+                <a:tc>
+                  <a:txBody>
+                    <a:bodyPr/>
+                    <a:lstStyle/>
+                    <a:p>
+                      <a:pPr algn="ctr">
+                        <a:lnSpc>
+                          <a:spcPct val="115000"/>
+                        </a:lnSpc>
+                        <a:spcAft>
+                          <a:spcPts val="0"/>
+                        </a:spcAft>
+                      </a:pPr>
+                      <a:r>
+                        <a:rPr lang="es-AR" sz="1400" dirty="0">
+                          <a:effectLst/>
+                        </a:rPr>
+                        <a:t>fuerte</a:t>
+                      </a:r>
+                      <a:endParaRPr lang="es-ES" sz="1400" dirty="0">
+                        <a:effectLst/>
+                        <a:latin typeface="Calibri"/>
+                        <a:ea typeface="Calibri"/>
+                        <a:cs typeface="Times New Roman"/>
+                      </a:endParaRPr>
+                    </a:p>
+                  </a:txBody>
+                  <a:tcPr marL="44450" marR="44450" marT="0" marB="0" anchor="b"/>
+                </a:tc>
+                <a:tc>
+                  <a:txBody>
+                    <a:bodyPr/>
+                    <a:lstStyle/>
+                    <a:p>
+                      <a:pPr algn="ctr">
+                        <a:lnSpc>
+                          <a:spcPct val="115000"/>
+                        </a:lnSpc>
+                        <a:spcAft>
+                          <a:spcPts val="0"/>
+                        </a:spcAft>
+                      </a:pPr>
+                      <a:r>
+                        <a:rPr lang="es-AR" sz="1400">
+                          <a:effectLst/>
+                        </a:rPr>
+                        <a:t>no</a:t>
+                      </a:r>
+                      <a:endParaRPr lang="es-ES" sz="1400">
+                        <a:effectLst/>
+                        <a:latin typeface="Calibri"/>
+                        <a:ea typeface="Calibri"/>
+                        <a:cs typeface="Times New Roman"/>
+                      </a:endParaRPr>
+                    </a:p>
+                  </a:txBody>
+                  <a:tcPr marL="44450" marR="44450" marT="0" marB="0" anchor="b"/>
+                </a:tc>
+                <a:tc>
+                  <a:txBody>
+                    <a:bodyPr/>
+                    <a:lstStyle/>
+                    <a:p>
+                      <a:pPr algn="ctr">
+                        <a:lnSpc>
+                          <a:spcPct val="115000"/>
+                        </a:lnSpc>
+                        <a:spcAft>
+                          <a:spcPts val="0"/>
+                        </a:spcAft>
+                      </a:pPr>
+                      <a:r>
+                        <a:rPr lang="es-AR" sz="1400" dirty="0">
+                          <a:effectLst/>
+                        </a:rPr>
+                        <a:t> ¿?</a:t>
+                      </a:r>
+                      <a:endParaRPr lang="es-ES" sz="1400" dirty="0">
+                        <a:effectLst/>
+                        <a:latin typeface="Calibri"/>
+                        <a:ea typeface="Calibri"/>
+                        <a:cs typeface="Times New Roman"/>
+                      </a:endParaRPr>
+                    </a:p>
+                  </a:txBody>
+                  <a:tcPr marL="44450" marR="44450" marT="0" marB="0" anchor="b"/>
+                </a:tc>
+              </a:tr>
+            </a:tbl>
+          </a:graphicData>
+        </a:graphic>
+      </p:graphicFrame>
+      <p:sp>
+        <p:nvSpPr>
+          <p:cNvPr id="8" name="Rectangle 2"/>
+          <p:cNvSpPr>
+            <a:spLocks noChangeArrowheads="1"/>
+          </p:cNvSpPr>
+          <p:nvPr/>
+        </p:nvSpPr>
+        <p:spPr bwMode="auto">
+          <a:xfrm>
+            <a:off x="2393950" y="3667125"/>
+            <a:ext cx="9144000" cy="0"/>
+          </a:xfrm>
+          <a:prstGeom prst="rect">
+            <a:avLst/>
+          </a:prstGeom>
+          <a:noFill/>
+          <a:ln>
+            <a:noFill/>
+          </a:ln>
+          <a:effectLst/>
+          <a:extLst>
+            <a:ext uri="{909E8E84-426E-40DD-AFC4-6F175D3DCCD1}">
+              <a14:hiddenFill xmlns:a14="http://schemas.microsoft.com/office/drawing/2010/main">
+                <a:solidFill>
+                  <a:schemeClr val="accent1"/>
+                </a:solidFill>
+              </a14:hiddenFill>
+            </a:ext>
+            <a:ext uri="{91240B29-F687-4F45-9708-019B960494DF}">
+              <a14:hiddenLine xmlns:a14="http://schemas.microsoft.com/office/drawing/2010/main" w="9525">
+                <a:solidFill>
+                  <a:schemeClr val="tx1"/>
+                </a:solidFill>
+                <a:miter lim="800000"/>
+                <a:headEnd/>
+                <a:tailEnd/>
+              </a14:hiddenLine>
+            </a:ext>
+            <a:ext uri="{AF507438-7753-43E0-B8FC-AC1667EBCBE1}">
+              <a14:hiddenEffects xmlns:a14="http://schemas.microsoft.com/office/drawing/2010/main">
+                <a:effectLst>
+                  <a:outerShdw dist="35921" dir="2700000" algn="ctr" rotWithShape="0">
+                    <a:schemeClr val="bg2"/>
+                  </a:outerShdw>
+                </a:effectLst>
+              </a14:hiddenEffects>
+            </a:ext>
+          </a:extLst>
+        </p:spPr>
+        <p:txBody>
+          <a:bodyPr vert="horz" wrap="none" lIns="91440" tIns="45720" rIns="91440" bIns="45720" numCol="1" anchor="ctr" anchorCtr="0" compatLnSpc="1">
+            <a:prstTxWarp prst="textNoShape">
+              <a:avLst/>
+            </a:prstTxWarp>
+            <a:spAutoFit/>
+          </a:bodyPr>
           <a:lstStyle/>
           <a:p>
             <a:endParaRPr lang="es-ES"/>
@@ -3534,6 +4779,640 @@
   <p:clrMapOvr>
     <a:masterClrMapping/>
   </p:clrMapOvr>
+  <p:timing>
+    <p:tnLst>
+      <p:par>
+        <p:cTn id="1" dur="indefinite" restart="never" nodeType="tmRoot"/>
+      </p:par>
+    </p:tnLst>
+  </p:timing>
+</p:sld>
+</file>
+
+<file path=ppt/slides/slide7.xml><?xml version="1.0" encoding="utf-8"?>
+<p:sld xmlns:a="http://schemas.openxmlformats.org/drawingml/2006/main" xmlns:r="http://schemas.openxmlformats.org/officeDocument/2006/relationships" xmlns:p="http://schemas.openxmlformats.org/presentationml/2006/main">
+  <p:cSld>
+    <p:spTree>
+      <p:nvGrpSpPr>
+        <p:cNvPr id="1" name=""/>
+        <p:cNvGrpSpPr/>
+        <p:nvPr/>
+      </p:nvGrpSpPr>
+      <p:grpSpPr>
+        <a:xfrm>
+          <a:off x="0" y="0"/>
+          <a:ext cx="0" cy="0"/>
+          <a:chOff x="0" y="0"/>
+          <a:chExt cx="0" cy="0"/>
+        </a:xfrm>
+      </p:grpSpPr>
+      <p:sp>
+        <p:nvSpPr>
+          <p:cNvPr id="3" name="2 Marcador de contenido"/>
+          <p:cNvSpPr>
+            <a:spLocks noGrp="1"/>
+          </p:cNvSpPr>
+          <p:nvPr>
+            <p:ph idx="1"/>
+          </p:nvPr>
+        </p:nvSpPr>
+        <p:spPr/>
+        <p:txBody>
+          <a:bodyPr>
+            <a:normAutofit/>
+          </a:bodyPr>
+          <a:lstStyle/>
+          <a:p>
+            <a:r>
+              <a:rPr lang="es-AR" dirty="0" smtClean="0"/>
+              <a:t>Siguiendo el ejemplo anterior en la primera iteración se generara el siguiente árbol:</a:t>
+            </a:r>
+          </a:p>
+          <a:p>
+            <a:endParaRPr lang="es-AR" dirty="0"/>
+          </a:p>
+          <a:p>
+            <a:endParaRPr lang="es-AR" dirty="0" smtClean="0"/>
+          </a:p>
+          <a:p>
+            <a:endParaRPr lang="es-AR" dirty="0" smtClean="0"/>
+          </a:p>
+        </p:txBody>
+      </p:sp>
+      <p:sp>
+        <p:nvSpPr>
+          <p:cNvPr id="4" name="3 CuadroTexto"/>
+          <p:cNvSpPr txBox="1"/>
+          <p:nvPr/>
+        </p:nvSpPr>
+        <p:spPr>
+          <a:xfrm>
+            <a:off x="395536" y="1026904"/>
+            <a:ext cx="6840760" cy="584775"/>
+          </a:xfrm>
+          <a:prstGeom prst="rect">
+            <a:avLst/>
+          </a:prstGeom>
+          <a:noFill/>
+        </p:spPr>
+        <p:txBody>
+          <a:bodyPr wrap="square" rtlCol="0">
+            <a:spAutoFit/>
+          </a:bodyPr>
+          <a:lstStyle/>
+          <a:p>
+            <a:r>
+              <a:rPr lang="es-AR" sz="3200" dirty="0"/>
+              <a:t>Capas: Obtención de la </a:t>
+            </a:r>
+            <a:r>
+              <a:rPr lang="es-AR" sz="3200" dirty="0" smtClean="0"/>
+              <a:t>Categoría (cont.)</a:t>
+            </a:r>
+            <a:endParaRPr lang="es-ES" sz="3200" dirty="0"/>
+          </a:p>
+        </p:txBody>
+      </p:sp>
+      <p:sp>
+        <p:nvSpPr>
+          <p:cNvPr id="6" name="1 Título"/>
+          <p:cNvSpPr txBox="1">
+            <a:spLocks/>
+          </p:cNvSpPr>
+          <p:nvPr/>
+        </p:nvSpPr>
+        <p:spPr>
+          <a:xfrm>
+            <a:off x="408112" y="188640"/>
+            <a:ext cx="8229600" cy="1008112"/>
+          </a:xfrm>
+          <a:prstGeom prst="rect">
+            <a:avLst/>
+          </a:prstGeom>
+        </p:spPr>
+        <p:txBody>
+          <a:bodyPr vert="horz" lIns="91440" tIns="45720" rIns="91440" bIns="45720" rtlCol="0" anchor="ctr">
+            <a:normAutofit/>
+          </a:bodyPr>
+          <a:lstStyle>
+            <a:lvl1pPr algn="ctr" defTabSz="914400" rtl="0" eaLnBrk="1" latinLnBrk="0" hangingPunct="1">
+              <a:spcBef>
+                <a:spcPct val="0"/>
+              </a:spcBef>
+              <a:buNone/>
+              <a:defRPr sz="4400" kern="1200">
+                <a:solidFill>
+                  <a:schemeClr val="tx1"/>
+                </a:solidFill>
+                <a:latin typeface="+mj-lt"/>
+                <a:ea typeface="+mj-ea"/>
+                <a:cs typeface="+mj-cs"/>
+              </a:defRPr>
+            </a:lvl1pPr>
+          </a:lstStyle>
+          <a:p>
+            <a:r>
+              <a:rPr lang="es-AR" dirty="0" smtClean="0"/>
+              <a:t>Resolución</a:t>
+            </a:r>
+            <a:r>
+              <a:rPr lang="es-AR" sz="4900" dirty="0" smtClean="0"/>
+              <a:t> del Problema</a:t>
+            </a:r>
+            <a:endParaRPr lang="es-ES" sz="4000" dirty="0"/>
+          </a:p>
+        </p:txBody>
+      </p:sp>
+      <p:sp>
+        <p:nvSpPr>
+          <p:cNvPr id="8" name="Rectangle 2"/>
+          <p:cNvSpPr>
+            <a:spLocks noChangeArrowheads="1"/>
+          </p:cNvSpPr>
+          <p:nvPr/>
+        </p:nvSpPr>
+        <p:spPr bwMode="auto">
+          <a:xfrm>
+            <a:off x="2393950" y="3667125"/>
+            <a:ext cx="9144000" cy="0"/>
+          </a:xfrm>
+          <a:prstGeom prst="rect">
+            <a:avLst/>
+          </a:prstGeom>
+          <a:noFill/>
+          <a:ln>
+            <a:noFill/>
+          </a:ln>
+          <a:effectLst/>
+          <a:extLst>
+            <a:ext uri="{909E8E84-426E-40DD-AFC4-6F175D3DCCD1}">
+              <a14:hiddenFill xmlns:a14="http://schemas.microsoft.com/office/drawing/2010/main">
+                <a:solidFill>
+                  <a:schemeClr val="accent1"/>
+                </a:solidFill>
+              </a14:hiddenFill>
+            </a:ext>
+            <a:ext uri="{91240B29-F687-4F45-9708-019B960494DF}">
+              <a14:hiddenLine xmlns:a14="http://schemas.microsoft.com/office/drawing/2010/main" w="9525">
+                <a:solidFill>
+                  <a:schemeClr val="tx1"/>
+                </a:solidFill>
+                <a:miter lim="800000"/>
+                <a:headEnd/>
+                <a:tailEnd/>
+              </a14:hiddenLine>
+            </a:ext>
+            <a:ext uri="{AF507438-7753-43E0-B8FC-AC1667EBCBE1}">
+              <a14:hiddenEffects xmlns:a14="http://schemas.microsoft.com/office/drawing/2010/main">
+                <a:effectLst>
+                  <a:outerShdw dist="35921" dir="2700000" algn="ctr" rotWithShape="0">
+                    <a:schemeClr val="bg2"/>
+                  </a:outerShdw>
+                </a:effectLst>
+              </a14:hiddenEffects>
+            </a:ext>
+          </a:extLst>
+        </p:spPr>
+        <p:txBody>
+          <a:bodyPr vert="horz" wrap="none" lIns="91440" tIns="45720" rIns="91440" bIns="45720" numCol="1" anchor="ctr" anchorCtr="0" compatLnSpc="1">
+            <a:prstTxWarp prst="textNoShape">
+              <a:avLst/>
+            </a:prstTxWarp>
+            <a:spAutoFit/>
+          </a:bodyPr>
+          <a:lstStyle/>
+          <a:p>
+            <a:endParaRPr lang="es-ES"/>
+          </a:p>
+        </p:txBody>
+      </p:sp>
+      <p:pic>
+        <p:nvPicPr>
+          <p:cNvPr id="2050" name="Picture 2"/>
+          <p:cNvPicPr>
+            <a:picLocks noChangeAspect="1" noChangeArrowheads="1"/>
+          </p:cNvPicPr>
+          <p:nvPr/>
+        </p:nvPicPr>
+        <p:blipFill>
+          <a:blip r:embed="rId2">
+            <a:extLst>
+              <a:ext uri="{28A0092B-C50C-407E-A947-70E740481C1C}">
+                <a14:useLocalDpi xmlns:a14="http://schemas.microsoft.com/office/drawing/2010/main" val="0"/>
+              </a:ext>
+            </a:extLst>
+          </a:blip>
+          <a:srcRect/>
+          <a:stretch>
+            <a:fillRect/>
+          </a:stretch>
+        </p:blipFill>
+        <p:spPr bwMode="auto">
+          <a:xfrm>
+            <a:off x="1475656" y="2803028"/>
+            <a:ext cx="6408712" cy="2354164"/>
+          </a:xfrm>
+          <a:prstGeom prst="rect">
+            <a:avLst/>
+          </a:prstGeom>
+          <a:noFill/>
+          <a:ln>
+            <a:noFill/>
+          </a:ln>
+          <a:effectLst/>
+          <a:extLst>
+            <a:ext uri="{909E8E84-426E-40DD-AFC4-6F175D3DCCD1}">
+              <a14:hiddenFill xmlns:a14="http://schemas.microsoft.com/office/drawing/2010/main">
+                <a:solidFill>
+                  <a:schemeClr val="accent1"/>
+                </a:solidFill>
+              </a14:hiddenFill>
+            </a:ext>
+            <a:ext uri="{91240B29-F687-4F45-9708-019B960494DF}">
+              <a14:hiddenLine xmlns:a14="http://schemas.microsoft.com/office/drawing/2010/main" w="9525">
+                <a:solidFill>
+                  <a:schemeClr val="tx1"/>
+                </a:solidFill>
+                <a:miter lim="800000"/>
+                <a:headEnd/>
+                <a:tailEnd/>
+              </a14:hiddenLine>
+            </a:ext>
+            <a:ext uri="{AF507438-7753-43E0-B8FC-AC1667EBCBE1}">
+              <a14:hiddenEffects xmlns:a14="http://schemas.microsoft.com/office/drawing/2010/main">
+                <a:effectLst>
+                  <a:outerShdw dist="35921" dir="2700000" algn="ctr" rotWithShape="0">
+                    <a:schemeClr val="bg2"/>
+                  </a:outerShdw>
+                </a:effectLst>
+              </a14:hiddenEffects>
+            </a:ext>
+          </a:extLst>
+        </p:spPr>
+      </p:pic>
+      <p:sp>
+        <p:nvSpPr>
+          <p:cNvPr id="5" name="4 Rectángulo"/>
+          <p:cNvSpPr/>
+          <p:nvPr/>
+        </p:nvSpPr>
+        <p:spPr>
+          <a:xfrm>
+            <a:off x="4306888" y="4050774"/>
+            <a:ext cx="2929408" cy="962402"/>
+          </a:xfrm>
+          <a:prstGeom prst="rect">
+            <a:avLst/>
+          </a:prstGeom>
+          <a:solidFill>
+            <a:schemeClr val="bg1"/>
+          </a:solidFill>
+          <a:ln>
+            <a:noFill/>
+          </a:ln>
+        </p:spPr>
+        <p:style>
+          <a:lnRef idx="2">
+            <a:schemeClr val="accent1">
+              <a:shade val="50000"/>
+            </a:schemeClr>
+          </a:lnRef>
+          <a:fillRef idx="1">
+            <a:schemeClr val="accent1"/>
+          </a:fillRef>
+          <a:effectRef idx="0">
+            <a:schemeClr val="accent1"/>
+          </a:effectRef>
+          <a:fontRef idx="minor">
+            <a:schemeClr val="lt1"/>
+          </a:fontRef>
+        </p:style>
+        <p:txBody>
+          <a:bodyPr rtlCol="0" anchor="ctr"/>
+          <a:lstStyle/>
+          <a:p>
+            <a:pPr algn="ctr"/>
+            <a:endParaRPr lang="es-ES"/>
+          </a:p>
+        </p:txBody>
+      </p:sp>
+    </p:spTree>
+    <p:extLst>
+      <p:ext uri="{BB962C8B-B14F-4D97-AF65-F5344CB8AC3E}">
+        <p14:creationId xmlns:p14="http://schemas.microsoft.com/office/powerpoint/2010/main" val="1663083676"/>
+      </p:ext>
+    </p:extLst>
+  </p:cSld>
+  <p:clrMapOvr>
+    <a:masterClrMapping/>
+  </p:clrMapOvr>
+  <p:timing>
+    <p:tnLst>
+      <p:par>
+        <p:cTn id="1" dur="indefinite" restart="never" nodeType="tmRoot"/>
+      </p:par>
+    </p:tnLst>
+  </p:timing>
+</p:sld>
+</file>
+
+<file path=ppt/slides/slide8.xml><?xml version="1.0" encoding="utf-8"?>
+<p:sld xmlns:a="http://schemas.openxmlformats.org/drawingml/2006/main" xmlns:r="http://schemas.openxmlformats.org/officeDocument/2006/relationships" xmlns:p="http://schemas.openxmlformats.org/presentationml/2006/main">
+  <p:cSld>
+    <p:spTree>
+      <p:nvGrpSpPr>
+        <p:cNvPr id="1" name=""/>
+        <p:cNvGrpSpPr/>
+        <p:nvPr/>
+      </p:nvGrpSpPr>
+      <p:grpSpPr>
+        <a:xfrm>
+          <a:off x="0" y="0"/>
+          <a:ext cx="0" cy="0"/>
+          <a:chOff x="0" y="0"/>
+          <a:chExt cx="0" cy="0"/>
+        </a:xfrm>
+      </p:grpSpPr>
+      <p:sp>
+        <p:nvSpPr>
+          <p:cNvPr id="3" name="2 Marcador de contenido"/>
+          <p:cNvSpPr>
+            <a:spLocks noGrp="1"/>
+          </p:cNvSpPr>
+          <p:nvPr>
+            <p:ph idx="1"/>
+          </p:nvPr>
+        </p:nvSpPr>
+        <p:spPr/>
+        <p:txBody>
+          <a:bodyPr>
+            <a:normAutofit/>
+          </a:bodyPr>
+          <a:lstStyle/>
+          <a:p>
+            <a:r>
+              <a:rPr lang="es-AR" dirty="0" smtClean="0"/>
+              <a:t>En la segunda iteración el árbol se completara de la siguiente manera</a:t>
+            </a:r>
+          </a:p>
+          <a:p>
+            <a:endParaRPr lang="es-AR" dirty="0"/>
+          </a:p>
+          <a:p>
+            <a:endParaRPr lang="es-AR" dirty="0" smtClean="0"/>
+          </a:p>
+          <a:p>
+            <a:endParaRPr lang="es-AR" dirty="0"/>
+          </a:p>
+          <a:p>
+            <a:endParaRPr lang="es-AR" dirty="0" smtClean="0"/>
+          </a:p>
+          <a:p>
+            <a:r>
+              <a:rPr lang="es-AR" dirty="0" smtClean="0"/>
+              <a:t>En esta iteración se frena la creación del árbol, ya que se obtuvo la categoría correcta.</a:t>
+            </a:r>
+            <a:endParaRPr lang="es-AR" dirty="0" smtClean="0"/>
+          </a:p>
+          <a:p>
+            <a:endParaRPr lang="es-AR" dirty="0"/>
+          </a:p>
+          <a:p>
+            <a:endParaRPr lang="es-AR" dirty="0" smtClean="0"/>
+          </a:p>
+          <a:p>
+            <a:endParaRPr lang="es-AR" dirty="0" smtClean="0"/>
+          </a:p>
+        </p:txBody>
+      </p:sp>
+      <p:sp>
+        <p:nvSpPr>
+          <p:cNvPr id="4" name="3 CuadroTexto"/>
+          <p:cNvSpPr txBox="1"/>
+          <p:nvPr/>
+        </p:nvSpPr>
+        <p:spPr>
+          <a:xfrm>
+            <a:off x="395536" y="1026904"/>
+            <a:ext cx="6840760" cy="584775"/>
+          </a:xfrm>
+          <a:prstGeom prst="rect">
+            <a:avLst/>
+          </a:prstGeom>
+          <a:noFill/>
+        </p:spPr>
+        <p:txBody>
+          <a:bodyPr wrap="square" rtlCol="0">
+            <a:spAutoFit/>
+          </a:bodyPr>
+          <a:lstStyle/>
+          <a:p>
+            <a:r>
+              <a:rPr lang="es-AR" sz="3200" dirty="0"/>
+              <a:t>Capas: Obtención de la </a:t>
+            </a:r>
+            <a:r>
+              <a:rPr lang="es-AR" sz="3200" dirty="0" smtClean="0"/>
+              <a:t>Categoría (cont.)</a:t>
+            </a:r>
+            <a:endParaRPr lang="es-ES" sz="3200" dirty="0"/>
+          </a:p>
+        </p:txBody>
+      </p:sp>
+      <p:sp>
+        <p:nvSpPr>
+          <p:cNvPr id="6" name="1 Título"/>
+          <p:cNvSpPr txBox="1">
+            <a:spLocks/>
+          </p:cNvSpPr>
+          <p:nvPr/>
+        </p:nvSpPr>
+        <p:spPr>
+          <a:xfrm>
+            <a:off x="408112" y="188640"/>
+            <a:ext cx="8229600" cy="1008112"/>
+          </a:xfrm>
+          <a:prstGeom prst="rect">
+            <a:avLst/>
+          </a:prstGeom>
+        </p:spPr>
+        <p:txBody>
+          <a:bodyPr vert="horz" lIns="91440" tIns="45720" rIns="91440" bIns="45720" rtlCol="0" anchor="ctr">
+            <a:normAutofit/>
+          </a:bodyPr>
+          <a:lstStyle>
+            <a:lvl1pPr algn="ctr" defTabSz="914400" rtl="0" eaLnBrk="1" latinLnBrk="0" hangingPunct="1">
+              <a:spcBef>
+                <a:spcPct val="0"/>
+              </a:spcBef>
+              <a:buNone/>
+              <a:defRPr sz="4400" kern="1200">
+                <a:solidFill>
+                  <a:schemeClr val="tx1"/>
+                </a:solidFill>
+                <a:latin typeface="+mj-lt"/>
+                <a:ea typeface="+mj-ea"/>
+                <a:cs typeface="+mj-cs"/>
+              </a:defRPr>
+            </a:lvl1pPr>
+          </a:lstStyle>
+          <a:p>
+            <a:r>
+              <a:rPr lang="es-AR" dirty="0" smtClean="0"/>
+              <a:t>Resolución</a:t>
+            </a:r>
+            <a:r>
+              <a:rPr lang="es-AR" sz="4900" dirty="0" smtClean="0"/>
+              <a:t> del Problema</a:t>
+            </a:r>
+            <a:endParaRPr lang="es-ES" sz="4000" dirty="0"/>
+          </a:p>
+        </p:txBody>
+      </p:sp>
+      <p:sp>
+        <p:nvSpPr>
+          <p:cNvPr id="8" name="Rectangle 2"/>
+          <p:cNvSpPr>
+            <a:spLocks noChangeArrowheads="1"/>
+          </p:cNvSpPr>
+          <p:nvPr/>
+        </p:nvSpPr>
+        <p:spPr bwMode="auto">
+          <a:xfrm>
+            <a:off x="2393950" y="3667125"/>
+            <a:ext cx="9144000" cy="0"/>
+          </a:xfrm>
+          <a:prstGeom prst="rect">
+            <a:avLst/>
+          </a:prstGeom>
+          <a:noFill/>
+          <a:ln>
+            <a:noFill/>
+          </a:ln>
+          <a:effectLst/>
+          <a:extLst>
+            <a:ext uri="{909E8E84-426E-40DD-AFC4-6F175D3DCCD1}">
+              <a14:hiddenFill xmlns:a14="http://schemas.microsoft.com/office/drawing/2010/main">
+                <a:solidFill>
+                  <a:schemeClr val="accent1"/>
+                </a:solidFill>
+              </a14:hiddenFill>
+            </a:ext>
+            <a:ext uri="{91240B29-F687-4F45-9708-019B960494DF}">
+              <a14:hiddenLine xmlns:a14="http://schemas.microsoft.com/office/drawing/2010/main" w="9525">
+                <a:solidFill>
+                  <a:schemeClr val="tx1"/>
+                </a:solidFill>
+                <a:miter lim="800000"/>
+                <a:headEnd/>
+                <a:tailEnd/>
+              </a14:hiddenLine>
+            </a:ext>
+            <a:ext uri="{AF507438-7753-43E0-B8FC-AC1667EBCBE1}">
+              <a14:hiddenEffects xmlns:a14="http://schemas.microsoft.com/office/drawing/2010/main">
+                <a:effectLst>
+                  <a:outerShdw dist="35921" dir="2700000" algn="ctr" rotWithShape="0">
+                    <a:schemeClr val="bg2"/>
+                  </a:outerShdw>
+                </a:effectLst>
+              </a14:hiddenEffects>
+            </a:ext>
+          </a:extLst>
+        </p:spPr>
+        <p:txBody>
+          <a:bodyPr vert="horz" wrap="none" lIns="91440" tIns="45720" rIns="91440" bIns="45720" numCol="1" anchor="ctr" anchorCtr="0" compatLnSpc="1">
+            <a:prstTxWarp prst="textNoShape">
+              <a:avLst/>
+            </a:prstTxWarp>
+            <a:spAutoFit/>
+          </a:bodyPr>
+          <a:lstStyle/>
+          <a:p>
+            <a:endParaRPr lang="es-ES"/>
+          </a:p>
+        </p:txBody>
+      </p:sp>
+      <p:pic>
+        <p:nvPicPr>
+          <p:cNvPr id="2050" name="Picture 2"/>
+          <p:cNvPicPr>
+            <a:picLocks noChangeAspect="1" noChangeArrowheads="1"/>
+          </p:cNvPicPr>
+          <p:nvPr/>
+        </p:nvPicPr>
+        <p:blipFill>
+          <a:blip r:embed="rId2">
+            <a:extLst>
+              <a:ext uri="{28A0092B-C50C-407E-A947-70E740481C1C}">
+                <a14:useLocalDpi xmlns:a14="http://schemas.microsoft.com/office/drawing/2010/main" val="0"/>
+              </a:ext>
+            </a:extLst>
+          </a:blip>
+          <a:srcRect/>
+          <a:stretch>
+            <a:fillRect/>
+          </a:stretch>
+        </p:blipFill>
+        <p:spPr bwMode="auto">
+          <a:xfrm>
+            <a:off x="1475656" y="2803028"/>
+            <a:ext cx="6408712" cy="2354164"/>
+          </a:xfrm>
+          <a:prstGeom prst="rect">
+            <a:avLst/>
+          </a:prstGeom>
+          <a:noFill/>
+          <a:ln>
+            <a:noFill/>
+          </a:ln>
+          <a:effectLst/>
+          <a:extLst>
+            <a:ext uri="{909E8E84-426E-40DD-AFC4-6F175D3DCCD1}">
+              <a14:hiddenFill xmlns:a14="http://schemas.microsoft.com/office/drawing/2010/main">
+                <a:solidFill>
+                  <a:schemeClr val="accent1"/>
+                </a:solidFill>
+              </a14:hiddenFill>
+            </a:ext>
+            <a:ext uri="{91240B29-F687-4F45-9708-019B960494DF}">
+              <a14:hiddenLine xmlns:a14="http://schemas.microsoft.com/office/drawing/2010/main" w="9525">
+                <a:solidFill>
+                  <a:schemeClr val="tx1"/>
+                </a:solidFill>
+                <a:miter lim="800000"/>
+                <a:headEnd/>
+                <a:tailEnd/>
+              </a14:hiddenLine>
+            </a:ext>
+            <a:ext uri="{AF507438-7753-43E0-B8FC-AC1667EBCBE1}">
+              <a14:hiddenEffects xmlns:a14="http://schemas.microsoft.com/office/drawing/2010/main">
+                <a:effectLst>
+                  <a:outerShdw dist="35921" dir="2700000" algn="ctr" rotWithShape="0">
+                    <a:schemeClr val="bg2"/>
+                  </a:outerShdw>
+                </a:effectLst>
+              </a14:hiddenEffects>
+            </a:ext>
+          </a:extLst>
+        </p:spPr>
+      </p:pic>
+    </p:spTree>
+    <p:extLst>
+      <p:ext uri="{BB962C8B-B14F-4D97-AF65-F5344CB8AC3E}">
+        <p14:creationId xmlns:p14="http://schemas.microsoft.com/office/powerpoint/2010/main" val="3997586475"/>
+      </p:ext>
+    </p:extLst>
+  </p:cSld>
+  <p:clrMapOvr>
+    <a:masterClrMapping/>
+  </p:clrMapOvr>
+  <p:timing>
+    <p:tnLst>
+      <p:par>
+        <p:cTn id="1" dur="indefinite" restart="never" nodeType="tmRoot"/>
+      </p:par>
+    </p:tnLst>
+  </p:timing>
 </p:sld>
 </file>
 

--- a/trunk/docs/PPT SDSD.pptx
+++ b/trunk/docs/PPT SDSD.pptx
@@ -5,14 +5,13 @@
     <p:sldMasterId id="2147483648" r:id="rId1"/>
   </p:sldMasterIdLst>
   <p:sldIdLst>
-    <p:sldId id="256" r:id="rId2"/>
-    <p:sldId id="257" r:id="rId3"/>
-    <p:sldId id="258" r:id="rId4"/>
-    <p:sldId id="259" r:id="rId5"/>
-    <p:sldId id="260" r:id="rId6"/>
-    <p:sldId id="261" r:id="rId7"/>
-    <p:sldId id="262" r:id="rId8"/>
-    <p:sldId id="263" r:id="rId9"/>
+    <p:sldId id="257" r:id="rId2"/>
+    <p:sldId id="258" r:id="rId3"/>
+    <p:sldId id="259" r:id="rId4"/>
+    <p:sldId id="260" r:id="rId5"/>
+    <p:sldId id="261" r:id="rId6"/>
+    <p:sldId id="262" r:id="rId7"/>
+    <p:sldId id="263" r:id="rId8"/>
   </p:sldIdLst>
   <p:sldSz cx="9144000" cy="6858000" type="screen4x3"/>
   <p:notesSz cx="6858000" cy="9144000"/>
@@ -295,7 +294,7 @@
           <a:p>
             <a:fld id="{492B5A23-5751-4823-9431-EDECB865B2A2}" type="datetimeFigureOut">
               <a:rPr lang="es-ES" smtClean="0"/>
-              <a:t>29/06/2011</a:t>
+              <a:t>30/06/2011</a:t>
             </a:fld>
             <a:endParaRPr lang="es-ES" dirty="0"/>
           </a:p>
@@ -465,7 +464,7 @@
           <a:p>
             <a:fld id="{492B5A23-5751-4823-9431-EDECB865B2A2}" type="datetimeFigureOut">
               <a:rPr lang="es-ES" smtClean="0"/>
-              <a:t>29/06/2011</a:t>
+              <a:t>30/06/2011</a:t>
             </a:fld>
             <a:endParaRPr lang="es-ES" dirty="0"/>
           </a:p>
@@ -645,7 +644,7 @@
           <a:p>
             <a:fld id="{492B5A23-5751-4823-9431-EDECB865B2A2}" type="datetimeFigureOut">
               <a:rPr lang="es-ES" smtClean="0"/>
-              <a:t>29/06/2011</a:t>
+              <a:t>30/06/2011</a:t>
             </a:fld>
             <a:endParaRPr lang="es-ES" dirty="0"/>
           </a:p>
@@ -815,7 +814,7 @@
           <a:p>
             <a:fld id="{492B5A23-5751-4823-9431-EDECB865B2A2}" type="datetimeFigureOut">
               <a:rPr lang="es-ES" smtClean="0"/>
-              <a:t>29/06/2011</a:t>
+              <a:t>30/06/2011</a:t>
             </a:fld>
             <a:endParaRPr lang="es-ES" dirty="0"/>
           </a:p>
@@ -1061,7 +1060,7 @@
           <a:p>
             <a:fld id="{492B5A23-5751-4823-9431-EDECB865B2A2}" type="datetimeFigureOut">
               <a:rPr lang="es-ES" smtClean="0"/>
-              <a:t>29/06/2011</a:t>
+              <a:t>30/06/2011</a:t>
             </a:fld>
             <a:endParaRPr lang="es-ES" dirty="0"/>
           </a:p>
@@ -1349,7 +1348,7 @@
           <a:p>
             <a:fld id="{492B5A23-5751-4823-9431-EDECB865B2A2}" type="datetimeFigureOut">
               <a:rPr lang="es-ES" smtClean="0"/>
-              <a:t>29/06/2011</a:t>
+              <a:t>30/06/2011</a:t>
             </a:fld>
             <a:endParaRPr lang="es-ES" dirty="0"/>
           </a:p>
@@ -1771,7 +1770,7 @@
           <a:p>
             <a:fld id="{492B5A23-5751-4823-9431-EDECB865B2A2}" type="datetimeFigureOut">
               <a:rPr lang="es-ES" smtClean="0"/>
-              <a:t>29/06/2011</a:t>
+              <a:t>30/06/2011</a:t>
             </a:fld>
             <a:endParaRPr lang="es-ES" dirty="0"/>
           </a:p>
@@ -1889,7 +1888,7 @@
           <a:p>
             <a:fld id="{492B5A23-5751-4823-9431-EDECB865B2A2}" type="datetimeFigureOut">
               <a:rPr lang="es-ES" smtClean="0"/>
-              <a:t>29/06/2011</a:t>
+              <a:t>30/06/2011</a:t>
             </a:fld>
             <a:endParaRPr lang="es-ES" dirty="0"/>
           </a:p>
@@ -1984,7 +1983,7 @@
           <a:p>
             <a:fld id="{492B5A23-5751-4823-9431-EDECB865B2A2}" type="datetimeFigureOut">
               <a:rPr lang="es-ES" smtClean="0"/>
-              <a:t>29/06/2011</a:t>
+              <a:t>30/06/2011</a:t>
             </a:fld>
             <a:endParaRPr lang="es-ES" dirty="0"/>
           </a:p>
@@ -2261,7 +2260,7 @@
           <a:p>
             <a:fld id="{492B5A23-5751-4823-9431-EDECB865B2A2}" type="datetimeFigureOut">
               <a:rPr lang="es-ES" smtClean="0"/>
-              <a:t>29/06/2011</a:t>
+              <a:t>30/06/2011</a:t>
             </a:fld>
             <a:endParaRPr lang="es-ES" dirty="0"/>
           </a:p>
@@ -2514,7 +2513,7 @@
           <a:p>
             <a:fld id="{492B5A23-5751-4823-9431-EDECB865B2A2}" type="datetimeFigureOut">
               <a:rPr lang="es-ES" smtClean="0"/>
-              <a:t>29/06/2011</a:t>
+              <a:t>30/06/2011</a:t>
             </a:fld>
             <a:endParaRPr lang="es-ES" dirty="0"/>
           </a:p>
@@ -2727,7 +2726,7 @@
           <a:p>
             <a:fld id="{492B5A23-5751-4823-9431-EDECB865B2A2}" type="datetimeFigureOut">
               <a:rPr lang="es-ES" smtClean="0"/>
-              <a:t>29/06/2011</a:t>
+              <a:t>30/06/2011</a:t>
             </a:fld>
             <a:endParaRPr lang="es-ES" dirty="0"/>
           </a:p>
@@ -3109,7 +3108,7 @@
             <a:spLocks noGrp="1"/>
           </p:cNvSpPr>
           <p:nvPr>
-            <p:ph type="ctrTitle"/>
+            <p:ph type="title"/>
           </p:nvPr>
         </p:nvSpPr>
         <p:spPr/>
@@ -3117,25 +3116,95 @@
           <a:bodyPr/>
           <a:lstStyle/>
           <a:p>
+            <a:r>
+              <a:rPr lang="es-AR" dirty="0" smtClean="0"/>
+              <a:t>Resolución del Problema</a:t>
+            </a:r>
             <a:endParaRPr lang="es-ES" dirty="0"/>
           </a:p>
         </p:txBody>
       </p:sp>
       <p:sp>
         <p:nvSpPr>
-          <p:cNvPr id="3" name="2 Subtítulo"/>
-          <p:cNvSpPr>
-            <a:spLocks noGrp="1"/>
-          </p:cNvSpPr>
-          <p:nvPr>
-            <p:ph type="subTitle" idx="1"/>
+          <p:cNvPr id="3" name="2 Marcador de contenido"/>
+          <p:cNvSpPr>
+            <a:spLocks noGrp="1"/>
+          </p:cNvSpPr>
+          <p:nvPr>
+            <p:ph idx="1"/>
           </p:nvPr>
         </p:nvSpPr>
         <p:spPr/>
         <p:txBody>
-          <a:bodyPr/>
-          <a:lstStyle/>
-          <a:p>
+          <a:bodyPr>
+            <a:normAutofit fontScale="92500" lnSpcReduction="20000"/>
+          </a:bodyPr>
+          <a:lstStyle/>
+          <a:p>
+            <a:r>
+              <a:rPr lang="es-AR" dirty="0" smtClean="0"/>
+              <a:t>Se utiliza un árbol de clasificación.</a:t>
+            </a:r>
+          </a:p>
+          <a:p>
+            <a:r>
+              <a:rPr lang="es-AR" dirty="0" smtClean="0"/>
+              <a:t>Se implementa el algoritmo ID3.</a:t>
+            </a:r>
+          </a:p>
+          <a:p>
+            <a:r>
+              <a:rPr lang="es-AR" dirty="0" smtClean="0"/>
+              <a:t>Se utiliza Java como lenguaje de programación.</a:t>
+            </a:r>
+          </a:p>
+          <a:p>
+            <a:r>
+              <a:rPr lang="es-AR" dirty="0" smtClean="0"/>
+              <a:t>El Árbol se crea a medida que </a:t>
+            </a:r>
+            <a:r>
+              <a:rPr lang="es-AR" dirty="0" smtClean="0"/>
+              <a:t>se desea </a:t>
+            </a:r>
+            <a:r>
+              <a:rPr lang="es-AR" dirty="0" smtClean="0"/>
+              <a:t>profundizar en sus nodos.</a:t>
+            </a:r>
+          </a:p>
+          <a:p>
+            <a:r>
+              <a:rPr lang="es-AR" dirty="0" smtClean="0"/>
+              <a:t>Se separo al proyecto en 4 Capas</a:t>
+            </a:r>
+          </a:p>
+          <a:p>
+            <a:pPr lvl="1"/>
+            <a:r>
+              <a:rPr lang="es-AR" dirty="0" smtClean="0"/>
+              <a:t>Obtención de Muestra</a:t>
+            </a:r>
+          </a:p>
+          <a:p>
+            <a:pPr lvl="1"/>
+            <a:r>
+              <a:rPr lang="es-AR" dirty="0" smtClean="0"/>
+              <a:t>Cálculos de Entropía y Ganancia de Información</a:t>
+            </a:r>
+          </a:p>
+          <a:p>
+            <a:pPr lvl="1"/>
+            <a:r>
+              <a:rPr lang="es-AR" dirty="0" smtClean="0"/>
+              <a:t>Creación del Árbol</a:t>
+            </a:r>
+          </a:p>
+          <a:p>
+            <a:pPr lvl="1"/>
+            <a:r>
+              <a:rPr lang="es-AR" dirty="0" smtClean="0"/>
+              <a:t>Obtención de la Categoría</a:t>
+            </a:r>
             <a:endParaRPr lang="es-ES" dirty="0"/>
           </a:p>
         </p:txBody>
@@ -3143,7 +3212,7 @@
     </p:spTree>
     <p:extLst>
       <p:ext uri="{BB962C8B-B14F-4D97-AF65-F5344CB8AC3E}">
-        <p14:creationId xmlns:p14="http://schemas.microsoft.com/office/powerpoint/2010/main" val="3887733952"/>
+        <p14:creationId xmlns:p14="http://schemas.microsoft.com/office/powerpoint/2010/main" val="3566935221"/>
       </p:ext>
     </p:extLst>
   </p:cSld>
@@ -3187,143 +3256,6 @@
             <p:ph type="title"/>
           </p:nvPr>
         </p:nvSpPr>
-        <p:spPr/>
-        <p:txBody>
-          <a:bodyPr/>
-          <a:lstStyle/>
-          <a:p>
-            <a:r>
-              <a:rPr lang="es-AR" dirty="0" smtClean="0"/>
-              <a:t>Resolución del Problema</a:t>
-            </a:r>
-            <a:endParaRPr lang="es-ES" dirty="0"/>
-          </a:p>
-        </p:txBody>
-      </p:sp>
-      <p:sp>
-        <p:nvSpPr>
-          <p:cNvPr id="3" name="2 Marcador de contenido"/>
-          <p:cNvSpPr>
-            <a:spLocks noGrp="1"/>
-          </p:cNvSpPr>
-          <p:nvPr>
-            <p:ph idx="1"/>
-          </p:nvPr>
-        </p:nvSpPr>
-        <p:spPr/>
-        <p:txBody>
-          <a:bodyPr>
-            <a:normAutofit fontScale="92500" lnSpcReduction="20000"/>
-          </a:bodyPr>
-          <a:lstStyle/>
-          <a:p>
-            <a:r>
-              <a:rPr lang="es-AR" dirty="0" smtClean="0"/>
-              <a:t>Se utiliza un árbol de clasificación.</a:t>
-            </a:r>
-          </a:p>
-          <a:p>
-            <a:r>
-              <a:rPr lang="es-AR" dirty="0" smtClean="0"/>
-              <a:t>Se implementa el algoritmo ID3.</a:t>
-            </a:r>
-          </a:p>
-          <a:p>
-            <a:r>
-              <a:rPr lang="es-AR" dirty="0" smtClean="0"/>
-              <a:t>Se utiliza Java como lenguaje de programación.</a:t>
-            </a:r>
-          </a:p>
-          <a:p>
-            <a:r>
-              <a:rPr lang="es-AR" dirty="0" smtClean="0"/>
-              <a:t>El Árbol se crea a medida que sea profundizar en sus nodos.</a:t>
-            </a:r>
-          </a:p>
-          <a:p>
-            <a:r>
-              <a:rPr lang="es-AR" dirty="0" smtClean="0"/>
-              <a:t>Se separo al proyecto en 4 Capas</a:t>
-            </a:r>
-          </a:p>
-          <a:p>
-            <a:pPr lvl="1"/>
-            <a:r>
-              <a:rPr lang="es-AR" dirty="0" smtClean="0"/>
-              <a:t>Obtención de Muestra</a:t>
-            </a:r>
-          </a:p>
-          <a:p>
-            <a:pPr lvl="1"/>
-            <a:r>
-              <a:rPr lang="es-AR" dirty="0" smtClean="0"/>
-              <a:t>Cálculos de Entropía y Ganancia de Información</a:t>
-            </a:r>
-          </a:p>
-          <a:p>
-            <a:pPr lvl="1"/>
-            <a:r>
-              <a:rPr lang="es-AR" dirty="0" smtClean="0"/>
-              <a:t>Creación del Árbol</a:t>
-            </a:r>
-          </a:p>
-          <a:p>
-            <a:pPr lvl="1"/>
-            <a:r>
-              <a:rPr lang="es-AR" dirty="0" smtClean="0"/>
-              <a:t>Obtención de la Categoría</a:t>
-            </a:r>
-            <a:endParaRPr lang="es-ES" dirty="0"/>
-          </a:p>
-        </p:txBody>
-      </p:sp>
-    </p:spTree>
-    <p:extLst>
-      <p:ext uri="{BB962C8B-B14F-4D97-AF65-F5344CB8AC3E}">
-        <p14:creationId xmlns:p14="http://schemas.microsoft.com/office/powerpoint/2010/main" val="3566935221"/>
-      </p:ext>
-    </p:extLst>
-  </p:cSld>
-  <p:clrMapOvr>
-    <a:masterClrMapping/>
-  </p:clrMapOvr>
-  <p:timing>
-    <p:tnLst>
-      <p:par>
-        <p:cTn id="1" dur="indefinite" restart="never" nodeType="tmRoot"/>
-      </p:par>
-    </p:tnLst>
-  </p:timing>
-</p:sld>
-</file>
-
-<file path=ppt/slides/slide3.xml><?xml version="1.0" encoding="utf-8"?>
-<p:sld xmlns:a="http://schemas.openxmlformats.org/drawingml/2006/main" xmlns:r="http://schemas.openxmlformats.org/officeDocument/2006/relationships" xmlns:p="http://schemas.openxmlformats.org/presentationml/2006/main">
-  <p:cSld>
-    <p:spTree>
-      <p:nvGrpSpPr>
-        <p:cNvPr id="1" name=""/>
-        <p:cNvGrpSpPr/>
-        <p:nvPr/>
-      </p:nvGrpSpPr>
-      <p:grpSpPr>
-        <a:xfrm>
-          <a:off x="0" y="0"/>
-          <a:ext cx="0" cy="0"/>
-          <a:chOff x="0" y="0"/>
-          <a:chExt cx="0" cy="0"/>
-        </a:xfrm>
-      </p:grpSpPr>
-      <p:sp>
-        <p:nvSpPr>
-          <p:cNvPr id="2" name="1 Título"/>
-          <p:cNvSpPr>
-            <a:spLocks noGrp="1"/>
-          </p:cNvSpPr>
-          <p:nvPr>
-            <p:ph type="title"/>
-          </p:nvPr>
-        </p:nvSpPr>
         <p:spPr>
           <a:xfrm>
             <a:off x="408112" y="188640"/>
@@ -3383,9 +3315,19 @@
             <a:endParaRPr lang="es-AR" dirty="0" smtClean="0"/>
           </a:p>
           <a:p>
+            <a:endParaRPr lang="es-AR" sz="2800" dirty="0" smtClean="0"/>
+          </a:p>
+          <a:p>
+            <a:endParaRPr lang="es-AR" sz="2800" dirty="0" smtClean="0"/>
+          </a:p>
+          <a:p>
             <a:r>
               <a:rPr lang="es-AR" sz="2800" dirty="0" smtClean="0"/>
-              <a:t>Se introducen en una Matriz que contendrá las categorías y las columnas de los atributos.</a:t>
+              <a:t>Se </a:t>
+            </a:r>
+            <a:r>
+              <a:rPr lang="es-AR" sz="2800" dirty="0" smtClean="0"/>
+              <a:t>introducen en una Matriz que contendrá las categorías y las columnas de los atributos.</a:t>
             </a:r>
           </a:p>
           <a:p>
@@ -3402,14 +3344,14 @@
           <p:nvPr>
             <p:extLst>
               <p:ext uri="{D42A27DB-BD31-4B8C-83A1-F6EECF244321}">
-                <p14:modId xmlns:p14="http://schemas.microsoft.com/office/powerpoint/2010/main" val="3813829929"/>
+                <p14:modId xmlns:p14="http://schemas.microsoft.com/office/powerpoint/2010/main" val="1280242215"/>
               </p:ext>
             </p:extLst>
           </p:nvPr>
         </p:nvGraphicFramePr>
         <p:xfrm>
           <a:off x="827584" y="2132856"/>
-          <a:ext cx="7560838" cy="864096"/>
+          <a:ext cx="7560838" cy="1707118"/>
         </p:xfrm>
         <a:graphic>
           <a:graphicData uri="http://schemas.openxmlformats.org/drawingml/2006/table">
@@ -3718,6 +3660,390 @@
                   <a:tcPr marL="44450" marR="44450" marT="0" marB="0" anchor="b"/>
                 </a:tc>
               </a:tr>
+              <a:tr h="421511">
+                <a:tc>
+                  <a:txBody>
+                    <a:bodyPr/>
+                    <a:lstStyle/>
+                    <a:p>
+                      <a:pPr marL="0" algn="ctr" defTabSz="914400" rtl="0" eaLnBrk="1" latinLnBrk="0" hangingPunct="1">
+                        <a:lnSpc>
+                          <a:spcPct val="115000"/>
+                        </a:lnSpc>
+                        <a:spcAft>
+                          <a:spcPts val="0"/>
+                        </a:spcAft>
+                      </a:pPr>
+                      <a:r>
+                        <a:rPr lang="es-AR" sz="1400" b="0" kern="1200" dirty="0">
+                          <a:solidFill>
+                            <a:schemeClr val="dk1"/>
+                          </a:solidFill>
+                          <a:effectLst/>
+                          <a:latin typeface="+mn-lt"/>
+                          <a:ea typeface="+mn-ea"/>
+                          <a:cs typeface="+mn-cs"/>
+                        </a:rPr>
+                        <a:t>miércoles</a:t>
+                      </a:r>
+                      <a:endParaRPr lang="es-ES" sz="1400" b="0" kern="1200" dirty="0">
+                        <a:solidFill>
+                          <a:schemeClr val="dk1"/>
+                        </a:solidFill>
+                        <a:effectLst/>
+                        <a:latin typeface="+mn-lt"/>
+                        <a:ea typeface="+mn-ea"/>
+                        <a:cs typeface="+mn-cs"/>
+                      </a:endParaRPr>
+                    </a:p>
+                  </a:txBody>
+                  <a:tcPr marL="44450" marR="44450" marT="0" marB="0" anchor="b"/>
+                </a:tc>
+                <a:tc>
+                  <a:txBody>
+                    <a:bodyPr/>
+                    <a:lstStyle/>
+                    <a:p>
+                      <a:pPr marL="0" algn="ctr" defTabSz="914400" rtl="0" eaLnBrk="1" latinLnBrk="0" hangingPunct="1">
+                        <a:lnSpc>
+                          <a:spcPct val="115000"/>
+                        </a:lnSpc>
+                        <a:spcAft>
+                          <a:spcPts val="0"/>
+                        </a:spcAft>
+                      </a:pPr>
+                      <a:r>
+                        <a:rPr lang="es-AR" sz="1400" b="0" kern="1200" dirty="0">
+                          <a:solidFill>
+                            <a:schemeClr val="dk1"/>
+                          </a:solidFill>
+                          <a:effectLst/>
+                          <a:latin typeface="+mn-lt"/>
+                          <a:ea typeface="+mn-ea"/>
+                          <a:cs typeface="+mn-cs"/>
+                        </a:rPr>
+                        <a:t>invierno</a:t>
+                      </a:r>
+                      <a:endParaRPr lang="es-ES" sz="1400" b="0" kern="1200" dirty="0">
+                        <a:solidFill>
+                          <a:schemeClr val="dk1"/>
+                        </a:solidFill>
+                        <a:effectLst/>
+                        <a:latin typeface="+mn-lt"/>
+                        <a:ea typeface="+mn-ea"/>
+                        <a:cs typeface="+mn-cs"/>
+                      </a:endParaRPr>
+                    </a:p>
+                  </a:txBody>
+                  <a:tcPr marL="44450" marR="44450" marT="0" marB="0" anchor="b"/>
+                </a:tc>
+                <a:tc>
+                  <a:txBody>
+                    <a:bodyPr/>
+                    <a:lstStyle/>
+                    <a:p>
+                      <a:pPr marL="0" algn="ctr" defTabSz="914400" rtl="0" eaLnBrk="1" latinLnBrk="0" hangingPunct="1">
+                        <a:lnSpc>
+                          <a:spcPct val="115000"/>
+                        </a:lnSpc>
+                        <a:spcAft>
+                          <a:spcPts val="0"/>
+                        </a:spcAft>
+                      </a:pPr>
+                      <a:r>
+                        <a:rPr lang="es-AR" sz="1400" b="0" kern="1200" dirty="0">
+                          <a:solidFill>
+                            <a:schemeClr val="dk1"/>
+                          </a:solidFill>
+                          <a:effectLst/>
+                          <a:latin typeface="+mn-lt"/>
+                          <a:ea typeface="+mn-ea"/>
+                          <a:cs typeface="+mn-cs"/>
+                        </a:rPr>
+                        <a:t>no</a:t>
+                      </a:r>
+                      <a:endParaRPr lang="es-ES" sz="1400" b="0" kern="1200" dirty="0">
+                        <a:solidFill>
+                          <a:schemeClr val="dk1"/>
+                        </a:solidFill>
+                        <a:effectLst/>
+                        <a:latin typeface="+mn-lt"/>
+                        <a:ea typeface="+mn-ea"/>
+                        <a:cs typeface="+mn-cs"/>
+                      </a:endParaRPr>
+                    </a:p>
+                  </a:txBody>
+                  <a:tcPr marL="44450" marR="44450" marT="0" marB="0" anchor="b"/>
+                </a:tc>
+                <a:tc>
+                  <a:txBody>
+                    <a:bodyPr/>
+                    <a:lstStyle/>
+                    <a:p>
+                      <a:pPr marL="0" algn="ctr" defTabSz="914400" rtl="0" eaLnBrk="1" latinLnBrk="0" hangingPunct="1">
+                        <a:lnSpc>
+                          <a:spcPct val="115000"/>
+                        </a:lnSpc>
+                        <a:spcAft>
+                          <a:spcPts val="0"/>
+                        </a:spcAft>
+                      </a:pPr>
+                      <a:r>
+                        <a:rPr lang="es-AR" sz="1400" b="0" kern="1200" dirty="0">
+                          <a:solidFill>
+                            <a:schemeClr val="dk1"/>
+                          </a:solidFill>
+                          <a:effectLst/>
+                          <a:latin typeface="+mn-lt"/>
+                          <a:ea typeface="+mn-ea"/>
+                          <a:cs typeface="+mn-cs"/>
+                        </a:rPr>
+                        <a:t>leve</a:t>
+                      </a:r>
+                      <a:endParaRPr lang="es-ES" sz="1400" b="0" kern="1200" dirty="0">
+                        <a:solidFill>
+                          <a:schemeClr val="dk1"/>
+                        </a:solidFill>
+                        <a:effectLst/>
+                        <a:latin typeface="+mn-lt"/>
+                        <a:ea typeface="+mn-ea"/>
+                        <a:cs typeface="+mn-cs"/>
+                      </a:endParaRPr>
+                    </a:p>
+                  </a:txBody>
+                  <a:tcPr marL="44450" marR="44450" marT="0" marB="0" anchor="b"/>
+                </a:tc>
+                <a:tc>
+                  <a:txBody>
+                    <a:bodyPr/>
+                    <a:lstStyle/>
+                    <a:p>
+                      <a:pPr marL="0" algn="ctr" defTabSz="914400" rtl="0" eaLnBrk="1" latinLnBrk="0" hangingPunct="1">
+                        <a:lnSpc>
+                          <a:spcPct val="115000"/>
+                        </a:lnSpc>
+                        <a:spcAft>
+                          <a:spcPts val="0"/>
+                        </a:spcAft>
+                      </a:pPr>
+                      <a:r>
+                        <a:rPr lang="es-AR" sz="1400" b="0" kern="1200" dirty="0" smtClean="0">
+                          <a:solidFill>
+                            <a:schemeClr val="dk1"/>
+                          </a:solidFill>
+                          <a:effectLst/>
+                          <a:latin typeface="+mn-lt"/>
+                          <a:ea typeface="+mn-ea"/>
+                          <a:cs typeface="+mn-cs"/>
+                        </a:rPr>
+                        <a:t>Muy Atrasado</a:t>
+                      </a:r>
+                      <a:endParaRPr lang="es-ES" sz="1400" b="0" kern="1200" dirty="0">
+                        <a:solidFill>
+                          <a:schemeClr val="dk1"/>
+                        </a:solidFill>
+                        <a:effectLst/>
+                        <a:latin typeface="+mn-lt"/>
+                        <a:ea typeface="+mn-ea"/>
+                        <a:cs typeface="+mn-cs"/>
+                      </a:endParaRPr>
+                    </a:p>
+                  </a:txBody>
+                  <a:tcPr marL="44450" marR="44450" marT="0" marB="0" anchor="b"/>
+                </a:tc>
+              </a:tr>
+              <a:tr h="421511">
+                <a:tc>
+                  <a:txBody>
+                    <a:bodyPr/>
+                    <a:lstStyle/>
+                    <a:p>
+                      <a:pPr marL="0" algn="ctr" defTabSz="914400" rtl="0" eaLnBrk="1" latinLnBrk="0" hangingPunct="1">
+                        <a:lnSpc>
+                          <a:spcPct val="115000"/>
+                        </a:lnSpc>
+                        <a:spcAft>
+                          <a:spcPts val="0"/>
+                        </a:spcAft>
+                      </a:pPr>
+                      <a:r>
+                        <a:rPr lang="es-AR" sz="1400" b="0" kern="1200" dirty="0">
+                          <a:solidFill>
+                            <a:schemeClr val="dk1"/>
+                          </a:solidFill>
+                          <a:effectLst/>
+                          <a:latin typeface="+mn-lt"/>
+                          <a:ea typeface="+mn-ea"/>
+                          <a:cs typeface="+mn-cs"/>
+                        </a:rPr>
+                        <a:t>martes</a:t>
+                      </a:r>
+                      <a:endParaRPr lang="es-ES" sz="1400" b="0" kern="1200" dirty="0">
+                        <a:solidFill>
+                          <a:schemeClr val="dk1"/>
+                        </a:solidFill>
+                        <a:effectLst/>
+                        <a:latin typeface="+mn-lt"/>
+                        <a:ea typeface="+mn-ea"/>
+                        <a:cs typeface="+mn-cs"/>
+                      </a:endParaRPr>
+                    </a:p>
+                  </a:txBody>
+                  <a:tcPr marL="44450" marR="44450" marT="0" marB="0" anchor="b"/>
+                </a:tc>
+                <a:tc>
+                  <a:txBody>
+                    <a:bodyPr/>
+                    <a:lstStyle/>
+                    <a:p>
+                      <a:pPr marL="0" algn="ctr" defTabSz="914400" rtl="0" eaLnBrk="1" latinLnBrk="0" hangingPunct="1">
+                        <a:lnSpc>
+                          <a:spcPct val="115000"/>
+                        </a:lnSpc>
+                        <a:spcAft>
+                          <a:spcPts val="0"/>
+                        </a:spcAft>
+                      </a:pPr>
+                      <a:r>
+                        <a:rPr lang="es-AR" sz="1400" b="0" kern="1200" dirty="0">
+                          <a:solidFill>
+                            <a:schemeClr val="dk1"/>
+                          </a:solidFill>
+                          <a:effectLst/>
+                          <a:latin typeface="+mn-lt"/>
+                          <a:ea typeface="+mn-ea"/>
+                          <a:cs typeface="+mn-cs"/>
+                        </a:rPr>
+                        <a:t>invierno</a:t>
+                      </a:r>
+                      <a:endParaRPr lang="es-ES" sz="1400" b="0" kern="1200" dirty="0">
+                        <a:solidFill>
+                          <a:schemeClr val="dk1"/>
+                        </a:solidFill>
+                        <a:effectLst/>
+                        <a:latin typeface="+mn-lt"/>
+                        <a:ea typeface="+mn-ea"/>
+                        <a:cs typeface="+mn-cs"/>
+                      </a:endParaRPr>
+                    </a:p>
+                  </a:txBody>
+                  <a:tcPr marL="44450" marR="44450" marT="0" marB="0" anchor="b"/>
+                </a:tc>
+                <a:tc>
+                  <a:txBody>
+                    <a:bodyPr/>
+                    <a:lstStyle/>
+                    <a:p>
+                      <a:pPr marL="0" algn="ctr" defTabSz="914400" rtl="0" eaLnBrk="1" latinLnBrk="0" hangingPunct="1">
+                        <a:lnSpc>
+                          <a:spcPct val="115000"/>
+                        </a:lnSpc>
+                        <a:spcAft>
+                          <a:spcPts val="0"/>
+                        </a:spcAft>
+                      </a:pPr>
+                      <a:r>
+                        <a:rPr lang="es-AR" sz="1400" b="0" kern="1200" dirty="0">
+                          <a:solidFill>
+                            <a:schemeClr val="dk1"/>
+                          </a:solidFill>
+                          <a:effectLst/>
+                          <a:latin typeface="+mn-lt"/>
+                          <a:ea typeface="+mn-ea"/>
+                          <a:cs typeface="+mn-cs"/>
+                        </a:rPr>
+                        <a:t>fuerte</a:t>
+                      </a:r>
+                      <a:endParaRPr lang="es-ES" sz="1400" b="0" kern="1200" dirty="0">
+                        <a:solidFill>
+                          <a:schemeClr val="dk1"/>
+                        </a:solidFill>
+                        <a:effectLst/>
+                        <a:latin typeface="+mn-lt"/>
+                        <a:ea typeface="+mn-ea"/>
+                        <a:cs typeface="+mn-cs"/>
+                      </a:endParaRPr>
+                    </a:p>
+                  </a:txBody>
+                  <a:tcPr marL="44450" marR="44450" marT="0" marB="0" anchor="b"/>
+                </a:tc>
+                <a:tc>
+                  <a:txBody>
+                    <a:bodyPr/>
+                    <a:lstStyle/>
+                    <a:p>
+                      <a:pPr marL="0" algn="ctr" defTabSz="914400" rtl="0" eaLnBrk="1" latinLnBrk="0" hangingPunct="1">
+                        <a:lnSpc>
+                          <a:spcPct val="115000"/>
+                        </a:lnSpc>
+                        <a:spcAft>
+                          <a:spcPts val="0"/>
+                        </a:spcAft>
+                      </a:pPr>
+                      <a:r>
+                        <a:rPr lang="es-AR" sz="1400" b="0" kern="1200" dirty="0">
+                          <a:solidFill>
+                            <a:schemeClr val="dk1"/>
+                          </a:solidFill>
+                          <a:effectLst/>
+                          <a:latin typeface="+mn-lt"/>
+                          <a:ea typeface="+mn-ea"/>
+                          <a:cs typeface="+mn-cs"/>
+                        </a:rPr>
+                        <a:t>fuerte</a:t>
+                      </a:r>
+                      <a:endParaRPr lang="es-ES" sz="1400" b="0" kern="1200" dirty="0">
+                        <a:solidFill>
+                          <a:schemeClr val="dk1"/>
+                        </a:solidFill>
+                        <a:effectLst/>
+                        <a:latin typeface="+mn-lt"/>
+                        <a:ea typeface="+mn-ea"/>
+                        <a:cs typeface="+mn-cs"/>
+                      </a:endParaRPr>
+                    </a:p>
+                  </a:txBody>
+                  <a:tcPr marL="44450" marR="44450" marT="0" marB="0" anchor="b"/>
+                </a:tc>
+                <a:tc>
+                  <a:txBody>
+                    <a:bodyPr/>
+                    <a:lstStyle/>
+                    <a:p>
+                      <a:pPr marL="0" algn="ctr" defTabSz="914400" rtl="0" eaLnBrk="1" latinLnBrk="0" hangingPunct="1">
+                        <a:lnSpc>
+                          <a:spcPct val="115000"/>
+                        </a:lnSpc>
+                        <a:spcAft>
+                          <a:spcPts val="0"/>
+                        </a:spcAft>
+                      </a:pPr>
+                      <a:r>
+                        <a:rPr lang="es-AR" sz="1400" b="0" kern="1200" dirty="0" smtClean="0">
+                          <a:solidFill>
+                            <a:schemeClr val="dk1"/>
+                          </a:solidFill>
+                          <a:effectLst/>
+                          <a:latin typeface="+mn-lt"/>
+                          <a:ea typeface="+mn-ea"/>
+                          <a:cs typeface="+mn-cs"/>
+                        </a:rPr>
+                        <a:t>Atrasado</a:t>
+                      </a:r>
+                      <a:endParaRPr lang="es-ES" sz="1400" b="0" kern="1200" dirty="0">
+                        <a:solidFill>
+                          <a:schemeClr val="dk1"/>
+                        </a:solidFill>
+                        <a:effectLst/>
+                        <a:latin typeface="+mn-lt"/>
+                        <a:ea typeface="+mn-ea"/>
+                        <a:cs typeface="+mn-cs"/>
+                      </a:endParaRPr>
+                    </a:p>
+                  </a:txBody>
+                  <a:tcPr marL="44450" marR="44450" marT="0" marB="0" anchor="b"/>
+                </a:tc>
+              </a:tr>
             </a:tbl>
           </a:graphicData>
         </a:graphic>
@@ -3839,6 +4165,187 @@
 </p:sld>
 </file>
 
+<file path=ppt/slides/slide3.xml><?xml version="1.0" encoding="utf-8"?>
+<p:sld xmlns:a="http://schemas.openxmlformats.org/drawingml/2006/main" xmlns:r="http://schemas.openxmlformats.org/officeDocument/2006/relationships" xmlns:p="http://schemas.openxmlformats.org/presentationml/2006/main">
+  <p:cSld>
+    <p:spTree>
+      <p:nvGrpSpPr>
+        <p:cNvPr id="1" name=""/>
+        <p:cNvGrpSpPr/>
+        <p:nvPr/>
+      </p:nvGrpSpPr>
+      <p:grpSpPr>
+        <a:xfrm>
+          <a:off x="0" y="0"/>
+          <a:ext cx="0" cy="0"/>
+          <a:chOff x="0" y="0"/>
+          <a:chExt cx="0" cy="0"/>
+        </a:xfrm>
+      </p:grpSpPr>
+      <p:sp>
+        <p:nvSpPr>
+          <p:cNvPr id="3" name="2 Marcador de contenido"/>
+          <p:cNvSpPr>
+            <a:spLocks noGrp="1"/>
+          </p:cNvSpPr>
+          <p:nvPr>
+            <p:ph idx="1"/>
+          </p:nvPr>
+        </p:nvSpPr>
+        <p:spPr/>
+        <p:txBody>
+          <a:bodyPr>
+            <a:normAutofit/>
+          </a:bodyPr>
+          <a:lstStyle/>
+          <a:p>
+            <a:r>
+              <a:rPr lang="es-AR" sz="2800" dirty="0" smtClean="0"/>
+              <a:t>Compuesta esencialmente por las siguientes tres funciones:</a:t>
+            </a:r>
+          </a:p>
+          <a:p>
+            <a:pPr lvl="1"/>
+            <a:r>
+              <a:rPr lang="es-AR" sz="2400" dirty="0"/>
+              <a:t>Calcular la entropía de la columna categoría.</a:t>
+            </a:r>
+          </a:p>
+          <a:p>
+            <a:pPr lvl="1"/>
+            <a:r>
+              <a:rPr lang="es-AR" sz="2400" dirty="0" smtClean="0"/>
+              <a:t>Calcular la entropía de cada columna a partir de un valor dado.</a:t>
+            </a:r>
+          </a:p>
+          <a:p>
+            <a:pPr lvl="1"/>
+            <a:r>
+              <a:rPr lang="es-AR" sz="2400" dirty="0"/>
+              <a:t>Calcular la ganancia de información (IG) de cada columna</a:t>
+            </a:r>
+            <a:r>
+              <a:rPr lang="es-AR" sz="2400" dirty="0" smtClean="0"/>
+              <a:t>.</a:t>
+            </a:r>
+            <a:endParaRPr lang="es-ES" sz="2400" dirty="0" smtClean="0"/>
+          </a:p>
+          <a:p>
+            <a:r>
+              <a:rPr lang="es-AR" sz="2800" dirty="0" smtClean="0"/>
+              <a:t>El </a:t>
+            </a:r>
+            <a:r>
+              <a:rPr lang="es-AR" sz="2800" dirty="0" smtClean="0"/>
+              <a:t>encargado de realizar estas funciones es la Matriz.</a:t>
+            </a:r>
+          </a:p>
+        </p:txBody>
+      </p:sp>
+      <p:sp>
+        <p:nvSpPr>
+          <p:cNvPr id="4" name="3 CuadroTexto"/>
+          <p:cNvSpPr txBox="1"/>
+          <p:nvPr/>
+        </p:nvSpPr>
+        <p:spPr>
+          <a:xfrm>
+            <a:off x="395536" y="1026905"/>
+            <a:ext cx="6840760" cy="584775"/>
+          </a:xfrm>
+          <a:prstGeom prst="rect">
+            <a:avLst/>
+          </a:prstGeom>
+          <a:noFill/>
+        </p:spPr>
+        <p:txBody>
+          <a:bodyPr wrap="square" rtlCol="0">
+            <a:spAutoFit/>
+          </a:bodyPr>
+          <a:lstStyle/>
+          <a:p>
+            <a:r>
+              <a:rPr lang="es-AR" sz="3200" dirty="0" smtClean="0"/>
+              <a:t>Capa: Cálculos </a:t>
+            </a:r>
+            <a:r>
+              <a:rPr lang="es-AR" sz="3200" dirty="0"/>
+              <a:t>Entropía/IG</a:t>
+            </a:r>
+            <a:endParaRPr lang="es-ES" sz="3200" dirty="0"/>
+          </a:p>
+        </p:txBody>
+      </p:sp>
+      <p:sp>
+        <p:nvSpPr>
+          <p:cNvPr id="6" name="1 Título"/>
+          <p:cNvSpPr txBox="1">
+            <a:spLocks/>
+          </p:cNvSpPr>
+          <p:nvPr/>
+        </p:nvSpPr>
+        <p:spPr>
+          <a:xfrm>
+            <a:off x="408112" y="188640"/>
+            <a:ext cx="8229600" cy="1008112"/>
+          </a:xfrm>
+          <a:prstGeom prst="rect">
+            <a:avLst/>
+          </a:prstGeom>
+        </p:spPr>
+        <p:txBody>
+          <a:bodyPr vert="horz" lIns="91440" tIns="45720" rIns="91440" bIns="45720" rtlCol="0" anchor="ctr">
+            <a:normAutofit/>
+          </a:bodyPr>
+          <a:lstStyle>
+            <a:lvl1pPr algn="ctr" defTabSz="914400" rtl="0" eaLnBrk="1" latinLnBrk="0" hangingPunct="1">
+              <a:spcBef>
+                <a:spcPct val="0"/>
+              </a:spcBef>
+              <a:buNone/>
+              <a:defRPr sz="4400" kern="1200">
+                <a:solidFill>
+                  <a:schemeClr val="tx1"/>
+                </a:solidFill>
+                <a:latin typeface="+mj-lt"/>
+                <a:ea typeface="+mj-ea"/>
+                <a:cs typeface="+mj-cs"/>
+              </a:defRPr>
+            </a:lvl1pPr>
+          </a:lstStyle>
+          <a:p>
+            <a:r>
+              <a:rPr lang="es-AR" smtClean="0"/>
+              <a:t>Resolución</a:t>
+            </a:r>
+            <a:r>
+              <a:rPr lang="es-AR" sz="4900" smtClean="0"/>
+              <a:t> del Problema</a:t>
+            </a:r>
+            <a:endParaRPr lang="es-ES" sz="4000" dirty="0"/>
+          </a:p>
+        </p:txBody>
+      </p:sp>
+    </p:spTree>
+    <p:extLst>
+      <p:ext uri="{BB962C8B-B14F-4D97-AF65-F5344CB8AC3E}">
+        <p14:creationId xmlns:p14="http://schemas.microsoft.com/office/powerpoint/2010/main" val="128220777"/>
+      </p:ext>
+    </p:extLst>
+  </p:cSld>
+  <p:clrMapOvr>
+    <a:masterClrMapping/>
+  </p:clrMapOvr>
+  <p:timing>
+    <p:tnLst>
+      <p:par>
+        <p:cTn id="1" dur="indefinite" restart="never" nodeType="tmRoot"/>
+      </p:par>
+    </p:tnLst>
+  </p:timing>
+</p:sld>
+</file>
+
 <file path=ppt/slides/slide4.xml><?xml version="1.0" encoding="utf-8"?>
 <p:sld xmlns:a="http://schemas.openxmlformats.org/drawingml/2006/main" xmlns:r="http://schemas.openxmlformats.org/officeDocument/2006/relationships" xmlns:p="http://schemas.openxmlformats.org/presentationml/2006/main">
   <p:cSld>
@@ -3866,45 +4373,72 @@
             <p:ph idx="1"/>
           </p:nvPr>
         </p:nvSpPr>
-        <p:spPr/>
+        <p:spPr>
+          <a:xfrm>
+            <a:off x="467544" y="1711349"/>
+            <a:ext cx="8229600" cy="4525963"/>
+          </a:xfrm>
+        </p:spPr>
         <p:txBody>
           <a:bodyPr>
-            <a:normAutofit/>
+            <a:normAutofit fontScale="85000" lnSpcReduction="20000"/>
           </a:bodyPr>
           <a:lstStyle/>
           <a:p>
             <a:r>
-              <a:rPr lang="es-AR" sz="2800" dirty="0" smtClean="0"/>
-              <a:t>Compuesta esencialmente por las siguientes tres funciones:</a:t>
+              <a:rPr lang="es-AR" dirty="0" smtClean="0"/>
+              <a:t>Utiliza la capa de cálculos para poder generar la raíz, los nodos y las hojas del árbol.</a:t>
+            </a:r>
+          </a:p>
+          <a:p>
+            <a:r>
+              <a:rPr lang="es-AR" dirty="0" smtClean="0"/>
+              <a:t>En primer lugar obtiene la raíz (la columna de mayor IG)</a:t>
+            </a:r>
+          </a:p>
+          <a:p>
+            <a:r>
+              <a:rPr lang="es-AR" dirty="0" smtClean="0"/>
+              <a:t>Luego a partir de las siguientes funciones genera los nodos y las hojas:</a:t>
             </a:r>
           </a:p>
           <a:p>
             <a:pPr lvl="1"/>
             <a:r>
-              <a:rPr lang="es-AR" sz="2400" dirty="0" smtClean="0"/>
-              <a:t>Calcular la ganancia de información (IG) de cada columna.</a:t>
+              <a:rPr lang="es-AR" dirty="0" smtClean="0"/>
+              <a:t>Obtener Resultados (genera los nodos y las hojas)</a:t>
             </a:r>
           </a:p>
           <a:p>
             <a:pPr lvl="1"/>
             <a:r>
-              <a:rPr lang="es-AR" sz="2400" dirty="0" smtClean="0"/>
-              <a:t>Calcular la entropía de la columna categoría.</a:t>
-            </a:r>
+              <a:rPr lang="es-AR" dirty="0" smtClean="0"/>
+              <a:t>Obtener Resultado a partir de un valor (genera un nodo o una hoja, es utilizada por la función anterior)</a:t>
+            </a:r>
+          </a:p>
+          <a:p>
+            <a:r>
+              <a:rPr lang="es-AR" dirty="0"/>
+              <a:t>El encargado de realizar estas funciones es la Matriz</a:t>
+            </a:r>
+            <a:r>
+              <a:rPr lang="es-AR" dirty="0" smtClean="0"/>
+              <a:t>.</a:t>
+            </a:r>
+          </a:p>
+          <a:p>
+            <a:r>
+              <a:rPr lang="es-AR" dirty="0" smtClean="0"/>
+              <a:t>En la misma iteración solo se crean los nodos y las hojas de un mismo nivel del árbol.</a:t>
+            </a:r>
+            <a:endParaRPr lang="es-AR" dirty="0"/>
           </a:p>
           <a:p>
             <a:pPr lvl="1"/>
-            <a:r>
-              <a:rPr lang="es-AR" sz="2400" dirty="0" smtClean="0"/>
-              <a:t>Calcular la entropía de cada columna a partir de un valor dado.</a:t>
-            </a:r>
-            <a:endParaRPr lang="es-ES" sz="2400" dirty="0"/>
-          </a:p>
-          <a:p>
-            <a:r>
-              <a:rPr lang="es-AR" sz="2800" dirty="0" smtClean="0"/>
-              <a:t>El encargado de realizar estas funciones es la Matriz.</a:t>
-            </a:r>
+            <a:endParaRPr lang="es-AR" dirty="0"/>
+          </a:p>
+          <a:p>
+            <a:endParaRPr lang="es-ES" dirty="0"/>
           </a:p>
         </p:txBody>
       </p:sp>
@@ -3931,12 +4465,8 @@
           <a:lstStyle/>
           <a:p>
             <a:r>
-              <a:rPr lang="es-AR" sz="3200" dirty="0" smtClean="0"/>
-              <a:t>Capa: Cálculos </a:t>
-            </a:r>
-            <a:r>
               <a:rPr lang="es-AR" sz="3200" dirty="0"/>
-              <a:t>Entropía/IG</a:t>
+              <a:t>Capas: Creación del Árbol</a:t>
             </a:r>
             <a:endParaRPr lang="es-ES" sz="3200" dirty="0"/>
           </a:p>
@@ -3944,7 +4474,7 @@
       </p:sp>
       <p:sp>
         <p:nvSpPr>
-          <p:cNvPr id="6" name="1 Título"/>
+          <p:cNvPr id="8" name="1 Título"/>
           <p:cNvSpPr txBox="1">
             <a:spLocks/>
           </p:cNvSpPr>
@@ -3981,11 +4511,11 @@
           </a:lstStyle>
           <a:p>
             <a:r>
-              <a:rPr lang="es-AR" smtClean="0"/>
+              <a:rPr lang="es-AR" dirty="0" smtClean="0"/>
               <a:t>Resolución</a:t>
             </a:r>
             <a:r>
-              <a:rPr lang="es-AR" sz="4900" smtClean="0"/>
+              <a:rPr lang="es-AR" sz="4900" dirty="0" smtClean="0"/>
               <a:t> del Problema</a:t>
             </a:r>
             <a:endParaRPr lang="es-ES" sz="4000" dirty="0"/>
@@ -3995,7 +4525,7 @@
     </p:spTree>
     <p:extLst>
       <p:ext uri="{BB962C8B-B14F-4D97-AF65-F5344CB8AC3E}">
-        <p14:creationId xmlns:p14="http://schemas.microsoft.com/office/powerpoint/2010/main" val="128220777"/>
+        <p14:creationId xmlns:p14="http://schemas.microsoft.com/office/powerpoint/2010/main" val="1479213176"/>
       </p:ext>
     </p:extLst>
   </p:cSld>
@@ -4039,33 +4569,54 @@
             <p:ph idx="1"/>
           </p:nvPr>
         </p:nvSpPr>
-        <p:spPr>
-          <a:xfrm>
-            <a:off x="467544" y="1711349"/>
-            <a:ext cx="8229600" cy="4525963"/>
-          </a:xfrm>
-        </p:spPr>
+        <p:spPr/>
         <p:txBody>
           <a:bodyPr>
-            <a:normAutofit fontScale="85000" lnSpcReduction="20000"/>
+            <a:normAutofit fontScale="70000" lnSpcReduction="20000"/>
           </a:bodyPr>
           <a:lstStyle/>
           <a:p>
             <a:r>
               <a:rPr lang="es-AR" dirty="0" smtClean="0"/>
-              <a:t>Utiliza la capa de cálculos para poder generar la raíz, los nodos y las hojas del árbol.</a:t>
-            </a:r>
+              <a:t>A partir de un Excel con el siguiente formato se pretende categorizar una cierta cantidad de sucesos:</a:t>
+            </a:r>
+            <a:endParaRPr lang="es-AR" dirty="0" smtClean="0"/>
+          </a:p>
+          <a:p>
+            <a:endParaRPr lang="es-AR" dirty="0"/>
+          </a:p>
+          <a:p>
+            <a:endParaRPr lang="es-AR" dirty="0" smtClean="0"/>
+          </a:p>
+          <a:p>
+            <a:endParaRPr lang="es-AR" dirty="0" smtClean="0"/>
           </a:p>
           <a:p>
             <a:r>
               <a:rPr lang="es-AR" dirty="0" smtClean="0"/>
-              <a:t>En primer lugar obtiene la raíz (la columna de mayor IG)</a:t>
+              <a:t>Se realiza la creación del primer nivel del árbol, el cual incluye los nodos u hojas que dependen de la columna de mayor IG.</a:t>
             </a:r>
           </a:p>
           <a:p>
             <a:r>
               <a:rPr lang="es-AR" dirty="0" smtClean="0"/>
-              <a:t>Luego a partir de las siguientes funciones genera los nodos y las hojas:</a:t>
+              <a:t>Luego a partir del valor que se quiere categorizar y se encuentra en la columna de mayor IG, se </a:t>
+            </a:r>
+            <a:r>
+              <a:rPr lang="es-AR" dirty="0" smtClean="0"/>
+              <a:t>busca entre las hojas y los nodos del nivel </a:t>
+            </a:r>
+            <a:r>
+              <a:rPr lang="es-AR" dirty="0" smtClean="0"/>
+              <a:t>creado su </a:t>
+            </a:r>
+            <a:r>
+              <a:rPr lang="es-AR" dirty="0" err="1" smtClean="0"/>
+              <a:t>categoria</a:t>
+            </a:r>
+            <a:r>
+              <a:rPr lang="es-AR" dirty="0" smtClean="0"/>
+              <a:t>:</a:t>
             </a:r>
             <a:endParaRPr lang="es-AR" dirty="0" smtClean="0"/>
           </a:p>
@@ -4073,39 +4624,15 @@
             <a:pPr lvl="1"/>
             <a:r>
               <a:rPr lang="es-AR" dirty="0" smtClean="0"/>
-              <a:t>Obtener Resultados (genera los nodos y las hojas)</a:t>
+              <a:t>Si es un Nodo: se crea el siguiente nivel del árbol y se itera este paso hasta llegar a una hoja.</a:t>
             </a:r>
           </a:p>
           <a:p>
             <a:pPr lvl="1"/>
             <a:r>
               <a:rPr lang="es-AR" dirty="0" smtClean="0"/>
-              <a:t>Obtener Resultado a partir de un valor (genera un nodo o una hoja, es utilizada por la función anterior)</a:t>
-            </a:r>
-          </a:p>
-          <a:p>
-            <a:r>
-              <a:rPr lang="es-AR" dirty="0"/>
-              <a:t>El encargado de realizar estas funciones es la Matriz</a:t>
-            </a:r>
-            <a:r>
-              <a:rPr lang="es-AR" dirty="0" smtClean="0"/>
-              <a:t>.</a:t>
-            </a:r>
-          </a:p>
-          <a:p>
-            <a:r>
-              <a:rPr lang="es-AR" dirty="0" smtClean="0"/>
-              <a:t>En la misma iteración solo se crean los nodos y las hojas de un mismo nivel del árbol.</a:t>
-            </a:r>
-            <a:endParaRPr lang="es-AR" dirty="0"/>
-          </a:p>
-          <a:p>
-            <a:pPr lvl="1"/>
-            <a:endParaRPr lang="es-AR" dirty="0"/>
-          </a:p>
-          <a:p>
-            <a:endParaRPr lang="es-ES" dirty="0"/>
+              <a:t>Si es una hoja: esta contiene la categoría correcta y es la que se devuelve.</a:t>
+            </a:r>
           </a:p>
         </p:txBody>
       </p:sp>
@@ -4133,7 +4660,7 @@
           <a:p>
             <a:r>
               <a:rPr lang="es-AR" sz="3200" dirty="0"/>
-              <a:t>Capas: Creación del Árbol</a:t>
+              <a:t>Capas: Obtención de la Categoría</a:t>
             </a:r>
             <a:endParaRPr lang="es-ES" sz="3200" dirty="0"/>
           </a:p>
@@ -4141,7 +4668,7 @@
       </p:sp>
       <p:sp>
         <p:nvSpPr>
-          <p:cNvPr id="8" name="1 Título"/>
+          <p:cNvPr id="6" name="1 Título"/>
           <p:cNvSpPr txBox="1">
             <a:spLocks/>
           </p:cNvSpPr>
@@ -4189,194 +4716,6 @@
           </a:p>
         </p:txBody>
       </p:sp>
-    </p:spTree>
-    <p:extLst>
-      <p:ext uri="{BB962C8B-B14F-4D97-AF65-F5344CB8AC3E}">
-        <p14:creationId xmlns:p14="http://schemas.microsoft.com/office/powerpoint/2010/main" val="1479213176"/>
-      </p:ext>
-    </p:extLst>
-  </p:cSld>
-  <p:clrMapOvr>
-    <a:masterClrMapping/>
-  </p:clrMapOvr>
-  <p:timing>
-    <p:tnLst>
-      <p:par>
-        <p:cTn id="1" dur="indefinite" restart="never" nodeType="tmRoot"/>
-      </p:par>
-    </p:tnLst>
-  </p:timing>
-</p:sld>
-</file>
-
-<file path=ppt/slides/slide6.xml><?xml version="1.0" encoding="utf-8"?>
-<p:sld xmlns:a="http://schemas.openxmlformats.org/drawingml/2006/main" xmlns:r="http://schemas.openxmlformats.org/officeDocument/2006/relationships" xmlns:p="http://schemas.openxmlformats.org/presentationml/2006/main">
-  <p:cSld>
-    <p:spTree>
-      <p:nvGrpSpPr>
-        <p:cNvPr id="1" name=""/>
-        <p:cNvGrpSpPr/>
-        <p:nvPr/>
-      </p:nvGrpSpPr>
-      <p:grpSpPr>
-        <a:xfrm>
-          <a:off x="0" y="0"/>
-          <a:ext cx="0" cy="0"/>
-          <a:chOff x="0" y="0"/>
-          <a:chExt cx="0" cy="0"/>
-        </a:xfrm>
-      </p:grpSpPr>
-      <p:sp>
-        <p:nvSpPr>
-          <p:cNvPr id="3" name="2 Marcador de contenido"/>
-          <p:cNvSpPr>
-            <a:spLocks noGrp="1"/>
-          </p:cNvSpPr>
-          <p:nvPr>
-            <p:ph idx="1"/>
-          </p:nvPr>
-        </p:nvSpPr>
-        <p:spPr/>
-        <p:txBody>
-          <a:bodyPr>
-            <a:normAutofit fontScale="70000" lnSpcReduction="20000"/>
-          </a:bodyPr>
-          <a:lstStyle/>
-          <a:p>
-            <a:r>
-              <a:rPr lang="es-AR" dirty="0" smtClean="0"/>
-              <a:t>Se obtiene a partir de datos a ingresados en un </a:t>
-            </a:r>
-            <a:r>
-              <a:rPr lang="es-AR" dirty="0" err="1" smtClean="0"/>
-              <a:t>excel</a:t>
-            </a:r>
-            <a:r>
-              <a:rPr lang="es-AR" dirty="0" smtClean="0"/>
-              <a:t>. E</a:t>
-            </a:r>
-            <a:r>
-              <a:rPr lang="es-AR" dirty="0" smtClean="0"/>
-              <a:t>jemplo:</a:t>
-            </a:r>
-          </a:p>
-          <a:p>
-            <a:endParaRPr lang="es-AR" dirty="0"/>
-          </a:p>
-          <a:p>
-            <a:endParaRPr lang="es-AR" dirty="0" smtClean="0"/>
-          </a:p>
-          <a:p>
-            <a:endParaRPr lang="es-AR" dirty="0" smtClean="0"/>
-          </a:p>
-          <a:p>
-            <a:r>
-              <a:rPr lang="es-AR" dirty="0" smtClean="0"/>
-              <a:t>Se realiza la creación del primer nivel del árbol, el cual incluye los nodos u hojas que dependen de la columna de mayor IG.</a:t>
-            </a:r>
-          </a:p>
-          <a:p>
-            <a:r>
-              <a:rPr lang="es-AR" dirty="0" smtClean="0"/>
-              <a:t>Se busca entre las hojas y los nodos del nivel creado el valor que corresponde con el que se quiere categorizar perteneciente a la columna de mayor IG.</a:t>
-            </a:r>
-          </a:p>
-          <a:p>
-            <a:pPr lvl="1"/>
-            <a:r>
-              <a:rPr lang="es-AR" dirty="0" smtClean="0"/>
-              <a:t>Si es un Nodo: se crea el siguiente nivel del árbol y se itera este paso hasta llegar a una hoja.</a:t>
-            </a:r>
-          </a:p>
-          <a:p>
-            <a:pPr lvl="1"/>
-            <a:r>
-              <a:rPr lang="es-AR" dirty="0" smtClean="0"/>
-              <a:t>Si es una hoja: esta contiene la categoría correcta y es la que se devuelve.</a:t>
-            </a:r>
-          </a:p>
-        </p:txBody>
-      </p:sp>
-      <p:sp>
-        <p:nvSpPr>
-          <p:cNvPr id="4" name="3 CuadroTexto"/>
-          <p:cNvSpPr txBox="1"/>
-          <p:nvPr/>
-        </p:nvSpPr>
-        <p:spPr>
-          <a:xfrm>
-            <a:off x="395536" y="1026905"/>
-            <a:ext cx="6840760" cy="584775"/>
-          </a:xfrm>
-          <a:prstGeom prst="rect">
-            <a:avLst/>
-          </a:prstGeom>
-          <a:noFill/>
-        </p:spPr>
-        <p:txBody>
-          <a:bodyPr wrap="square" rtlCol="0">
-            <a:spAutoFit/>
-          </a:bodyPr>
-          <a:lstStyle/>
-          <a:p>
-            <a:r>
-              <a:rPr lang="es-AR" sz="3200" dirty="0"/>
-              <a:t>Capas: Obtención de la Categoría</a:t>
-            </a:r>
-            <a:endParaRPr lang="es-ES" sz="3200" dirty="0"/>
-          </a:p>
-        </p:txBody>
-      </p:sp>
-      <p:sp>
-        <p:nvSpPr>
-          <p:cNvPr id="6" name="1 Título"/>
-          <p:cNvSpPr txBox="1">
-            <a:spLocks/>
-          </p:cNvSpPr>
-          <p:nvPr/>
-        </p:nvSpPr>
-        <p:spPr>
-          <a:xfrm>
-            <a:off x="408112" y="188640"/>
-            <a:ext cx="8229600" cy="1008112"/>
-          </a:xfrm>
-          <a:prstGeom prst="rect">
-            <a:avLst/>
-          </a:prstGeom>
-        </p:spPr>
-        <p:txBody>
-          <a:bodyPr vert="horz" lIns="91440" tIns="45720" rIns="91440" bIns="45720" rtlCol="0" anchor="ctr">
-            <a:normAutofit/>
-          </a:bodyPr>
-          <a:lstStyle>
-            <a:lvl1pPr algn="ctr" defTabSz="914400" rtl="0" eaLnBrk="1" latinLnBrk="0" hangingPunct="1">
-              <a:spcBef>
-                <a:spcPct val="0"/>
-              </a:spcBef>
-              <a:buNone/>
-              <a:defRPr sz="4400" kern="1200">
-                <a:solidFill>
-                  <a:schemeClr val="tx1"/>
-                </a:solidFill>
-                <a:latin typeface="+mj-lt"/>
-                <a:ea typeface="+mj-ea"/>
-                <a:cs typeface="+mj-cs"/>
-              </a:defRPr>
-            </a:lvl1pPr>
-          </a:lstStyle>
-          <a:p>
-            <a:r>
-              <a:rPr lang="es-AR" dirty="0" smtClean="0"/>
-              <a:t>Resolución</a:t>
-            </a:r>
-            <a:r>
-              <a:rPr lang="es-AR" sz="4900" dirty="0" smtClean="0"/>
-              <a:t> del Problema</a:t>
-            </a:r>
-            <a:endParaRPr lang="es-ES" sz="4000" dirty="0"/>
-          </a:p>
-        </p:txBody>
-      </p:sp>
       <p:graphicFrame>
         <p:nvGraphicFramePr>
           <p:cNvPr id="7" name="6 Tabla"/>
@@ -4386,13 +4725,13 @@
           <p:nvPr>
             <p:extLst>
               <p:ext uri="{D42A27DB-BD31-4B8C-83A1-F6EECF244321}">
-                <p14:modId xmlns:p14="http://schemas.microsoft.com/office/powerpoint/2010/main" val="933717866"/>
+                <p14:modId xmlns:p14="http://schemas.microsoft.com/office/powerpoint/2010/main" val="1376503876"/>
               </p:ext>
             </p:extLst>
           </p:nvPr>
         </p:nvGraphicFramePr>
         <p:xfrm>
-          <a:off x="1547664" y="2060848"/>
+          <a:off x="1619672" y="2276872"/>
           <a:ext cx="5117143" cy="792088"/>
         </p:xfrm>
         <a:graphic>
@@ -4789,7 +5128,7 @@
 </p:sld>
 </file>
 
-<file path=ppt/slides/slide7.xml><?xml version="1.0" encoding="utf-8"?>
+<file path=ppt/slides/slide6.xml><?xml version="1.0" encoding="utf-8"?>
 <p:sld xmlns:a="http://schemas.openxmlformats.org/drawingml/2006/main" xmlns:r="http://schemas.openxmlformats.org/officeDocument/2006/relationships" xmlns:p="http://schemas.openxmlformats.org/presentationml/2006/main">
   <p:cSld>
     <p:spTree>
@@ -5116,7 +5455,7 @@
 </p:sld>
 </file>
 
-<file path=ppt/slides/slide8.xml><?xml version="1.0" encoding="utf-8"?>
+<file path=ppt/slides/slide7.xml><?xml version="1.0" encoding="utf-8"?>
 <p:sld xmlns:a="http://schemas.openxmlformats.org/drawingml/2006/main" xmlns:r="http://schemas.openxmlformats.org/officeDocument/2006/relationships" xmlns:p="http://schemas.openxmlformats.org/presentationml/2006/main">
   <p:cSld>
     <p:spTree>
@@ -5172,7 +5511,6 @@
               <a:rPr lang="es-AR" dirty="0" smtClean="0"/>
               <a:t>En esta iteración se frena la creación del árbol, ya que se obtuvo la categoría correcta.</a:t>
             </a:r>
-            <a:endParaRPr lang="es-AR" dirty="0" smtClean="0"/>
           </a:p>
           <a:p>
             <a:endParaRPr lang="es-AR" dirty="0"/>
